--- a/CSharpProgramming/Presentations/Tasks.pptx
+++ b/CSharpProgramming/Presentations/Tasks.pptx
@@ -39,6 +39,21 @@
     <p:sldId id="362" r:id="rId33"/>
     <p:sldId id="364" r:id="rId34"/>
     <p:sldId id="363" r:id="rId35"/>
+    <p:sldId id="365" r:id="rId36"/>
+    <p:sldId id="368" r:id="rId37"/>
+    <p:sldId id="366" r:id="rId38"/>
+    <p:sldId id="367" r:id="rId39"/>
+    <p:sldId id="369" r:id="rId40"/>
+    <p:sldId id="370" r:id="rId41"/>
+    <p:sldId id="371" r:id="rId42"/>
+    <p:sldId id="372" r:id="rId43"/>
+    <p:sldId id="373" r:id="rId44"/>
+    <p:sldId id="374" r:id="rId45"/>
+    <p:sldId id="375" r:id="rId46"/>
+    <p:sldId id="376" r:id="rId47"/>
+    <p:sldId id="377" r:id="rId48"/>
+    <p:sldId id="378" r:id="rId49"/>
+    <p:sldId id="379" r:id="rId50"/>
   </p:sldIdLst>
   <p:sldSz cx="12192000" cy="6858000"/>
   <p:notesSz cx="6858000" cy="9144000"/>
@@ -276,7 +291,7 @@
           <a:p>
             <a:fld id="{E15B7D8E-2A20-4C0E-991C-872DBB7459A8}" type="datetimeFigureOut">
               <a:rPr lang="da-DK" smtClean="0"/>
-              <a:t>01-10-2017</a:t>
+              <a:t>10-10-2017</a:t>
             </a:fld>
             <a:endParaRPr lang="da-DK"/>
           </a:p>
@@ -446,7 +461,7 @@
           <a:p>
             <a:fld id="{E15B7D8E-2A20-4C0E-991C-872DBB7459A8}" type="datetimeFigureOut">
               <a:rPr lang="da-DK" smtClean="0"/>
-              <a:t>01-10-2017</a:t>
+              <a:t>10-10-2017</a:t>
             </a:fld>
             <a:endParaRPr lang="da-DK"/>
           </a:p>
@@ -626,7 +641,7 @@
           <a:p>
             <a:fld id="{E15B7D8E-2A20-4C0E-991C-872DBB7459A8}" type="datetimeFigureOut">
               <a:rPr lang="da-DK" smtClean="0"/>
-              <a:t>01-10-2017</a:t>
+              <a:t>10-10-2017</a:t>
             </a:fld>
             <a:endParaRPr lang="da-DK"/>
           </a:p>
@@ -796,7 +811,7 @@
           <a:p>
             <a:fld id="{E15B7D8E-2A20-4C0E-991C-872DBB7459A8}" type="datetimeFigureOut">
               <a:rPr lang="da-DK" smtClean="0"/>
-              <a:t>01-10-2017</a:t>
+              <a:t>10-10-2017</a:t>
             </a:fld>
             <a:endParaRPr lang="da-DK"/>
           </a:p>
@@ -1042,7 +1057,7 @@
           <a:p>
             <a:fld id="{E15B7D8E-2A20-4C0E-991C-872DBB7459A8}" type="datetimeFigureOut">
               <a:rPr lang="da-DK" smtClean="0"/>
-              <a:t>01-10-2017</a:t>
+              <a:t>10-10-2017</a:t>
             </a:fld>
             <a:endParaRPr lang="da-DK"/>
           </a:p>
@@ -1274,7 +1289,7 @@
           <a:p>
             <a:fld id="{E15B7D8E-2A20-4C0E-991C-872DBB7459A8}" type="datetimeFigureOut">
               <a:rPr lang="da-DK" smtClean="0"/>
-              <a:t>01-10-2017</a:t>
+              <a:t>10-10-2017</a:t>
             </a:fld>
             <a:endParaRPr lang="da-DK"/>
           </a:p>
@@ -1641,7 +1656,7 @@
           <a:p>
             <a:fld id="{E15B7D8E-2A20-4C0E-991C-872DBB7459A8}" type="datetimeFigureOut">
               <a:rPr lang="da-DK" smtClean="0"/>
-              <a:t>01-10-2017</a:t>
+              <a:t>10-10-2017</a:t>
             </a:fld>
             <a:endParaRPr lang="da-DK"/>
           </a:p>
@@ -1759,7 +1774,7 @@
           <a:p>
             <a:fld id="{E15B7D8E-2A20-4C0E-991C-872DBB7459A8}" type="datetimeFigureOut">
               <a:rPr lang="da-DK" smtClean="0"/>
-              <a:t>01-10-2017</a:t>
+              <a:t>10-10-2017</a:t>
             </a:fld>
             <a:endParaRPr lang="da-DK"/>
           </a:p>
@@ -1854,7 +1869,7 @@
           <a:p>
             <a:fld id="{E15B7D8E-2A20-4C0E-991C-872DBB7459A8}" type="datetimeFigureOut">
               <a:rPr lang="da-DK" smtClean="0"/>
-              <a:t>01-10-2017</a:t>
+              <a:t>10-10-2017</a:t>
             </a:fld>
             <a:endParaRPr lang="da-DK"/>
           </a:p>
@@ -2131,7 +2146,7 @@
           <a:p>
             <a:fld id="{E15B7D8E-2A20-4C0E-991C-872DBB7459A8}" type="datetimeFigureOut">
               <a:rPr lang="da-DK" smtClean="0"/>
-              <a:t>01-10-2017</a:t>
+              <a:t>10-10-2017</a:t>
             </a:fld>
             <a:endParaRPr lang="da-DK"/>
           </a:p>
@@ -2384,7 +2399,7 @@
           <a:p>
             <a:fld id="{E15B7D8E-2A20-4C0E-991C-872DBB7459A8}" type="datetimeFigureOut">
               <a:rPr lang="da-DK" smtClean="0"/>
-              <a:t>01-10-2017</a:t>
+              <a:t>10-10-2017</a:t>
             </a:fld>
             <a:endParaRPr lang="da-DK"/>
           </a:p>
@@ -2597,7 +2612,7 @@
           <a:p>
             <a:fld id="{E15B7D8E-2A20-4C0E-991C-872DBB7459A8}" type="datetimeFigureOut">
               <a:rPr lang="da-DK" smtClean="0"/>
-              <a:t>01-10-2017</a:t>
+              <a:t>10-10-2017</a:t>
             </a:fld>
             <a:endParaRPr lang="da-DK"/>
           </a:p>
@@ -3319,13 +3334,13 @@
   <p:clrMapOvr>
     <a:masterClrMapping/>
   </p:clrMapOvr>
-  <mc:AlternateContent xmlns:mc="http://schemas.openxmlformats.org/markup-compatibility/2006">
-    <mc:Choice xmlns:p14="http://schemas.microsoft.com/office/powerpoint/2010/main" Requires="p14">
+  <mc:AlternateContent xmlns:mc="http://schemas.openxmlformats.org/markup-compatibility/2006" xmlns:p14="http://schemas.microsoft.com/office/powerpoint/2010/main">
+    <mc:Choice Requires="p14">
       <p:transition spd="med" p14:dur="700">
         <p:fade/>
       </p:transition>
     </mc:Choice>
-    <mc:Fallback>
+    <mc:Fallback xmlns="">
       <p:transition spd="med">
         <p:fade/>
       </p:transition>
@@ -4147,13 +4162,13 @@
   <p:clrMapOvr>
     <a:masterClrMapping/>
   </p:clrMapOvr>
-  <mc:AlternateContent xmlns:mc="http://schemas.openxmlformats.org/markup-compatibility/2006">
-    <mc:Choice xmlns:p14="http://schemas.microsoft.com/office/powerpoint/2010/main" Requires="p14">
+  <mc:AlternateContent xmlns:mc="http://schemas.openxmlformats.org/markup-compatibility/2006" xmlns:p14="http://schemas.microsoft.com/office/powerpoint/2010/main">
+    <mc:Choice Requires="p14">
       <p:transition spd="med" p14:dur="700">
         <p:fade/>
       </p:transition>
     </mc:Choice>
-    <mc:Fallback>
+    <mc:Fallback xmlns="">
       <p:transition spd="med">
         <p:fade/>
       </p:transition>
@@ -5125,13 +5140,13 @@
   <p:clrMapOvr>
     <a:masterClrMapping/>
   </p:clrMapOvr>
-  <mc:AlternateContent xmlns:mc="http://schemas.openxmlformats.org/markup-compatibility/2006">
-    <mc:Choice xmlns:p14="http://schemas.microsoft.com/office/powerpoint/2010/main" Requires="p14">
+  <mc:AlternateContent xmlns:mc="http://schemas.openxmlformats.org/markup-compatibility/2006" xmlns:p14="http://schemas.microsoft.com/office/powerpoint/2010/main">
+    <mc:Choice Requires="p14">
       <p:transition spd="med" p14:dur="700">
         <p:fade/>
       </p:transition>
     </mc:Choice>
-    <mc:Fallback>
+    <mc:Fallback xmlns="">
       <p:transition spd="med">
         <p:fade/>
       </p:transition>
@@ -5218,13 +5233,13 @@
   <p:clrMapOvr>
     <a:masterClrMapping/>
   </p:clrMapOvr>
-  <mc:AlternateContent xmlns:mc="http://schemas.openxmlformats.org/markup-compatibility/2006">
-    <mc:Choice xmlns:p14="http://schemas.microsoft.com/office/powerpoint/2010/main" Requires="p14">
+  <mc:AlternateContent xmlns:mc="http://schemas.openxmlformats.org/markup-compatibility/2006" xmlns:p14="http://schemas.microsoft.com/office/powerpoint/2010/main">
+    <mc:Choice Requires="p14">
       <p:transition spd="med" p14:dur="700">
         <p:fade/>
       </p:transition>
     </mc:Choice>
-    <mc:Fallback>
+    <mc:Fallback xmlns="">
       <p:transition spd="med">
         <p:fade/>
       </p:transition>
@@ -5592,13 +5607,13 @@
   <p:clrMapOvr>
     <a:masterClrMapping/>
   </p:clrMapOvr>
-  <mc:AlternateContent xmlns:mc="http://schemas.openxmlformats.org/markup-compatibility/2006">
-    <mc:Choice xmlns:p14="http://schemas.microsoft.com/office/powerpoint/2010/main" Requires="p14">
+  <mc:AlternateContent xmlns:mc="http://schemas.openxmlformats.org/markup-compatibility/2006" xmlns:p14="http://schemas.microsoft.com/office/powerpoint/2010/main">
+    <mc:Choice Requires="p14">
       <p:transition spd="med" p14:dur="700">
         <p:fade/>
       </p:transition>
     </mc:Choice>
-    <mc:Fallback>
+    <mc:Fallback xmlns="">
       <p:transition spd="med">
         <p:fade/>
       </p:transition>
@@ -6345,13 +6360,13 @@
   <p:clrMapOvr>
     <a:masterClrMapping/>
   </p:clrMapOvr>
-  <mc:AlternateContent xmlns:mc="http://schemas.openxmlformats.org/markup-compatibility/2006">
-    <mc:Choice xmlns:p14="http://schemas.microsoft.com/office/powerpoint/2010/main" Requires="p14">
+  <mc:AlternateContent xmlns:mc="http://schemas.openxmlformats.org/markup-compatibility/2006" xmlns:p14="http://schemas.microsoft.com/office/powerpoint/2010/main">
+    <mc:Choice Requires="p14">
       <p:transition spd="med" p14:dur="700">
         <p:fade/>
       </p:transition>
     </mc:Choice>
-    <mc:Fallback>
+    <mc:Fallback xmlns="">
       <p:transition spd="med">
         <p:fade/>
       </p:transition>
@@ -7330,13 +7345,13 @@
   <p:clrMapOvr>
     <a:masterClrMapping/>
   </p:clrMapOvr>
-  <mc:AlternateContent xmlns:mc="http://schemas.openxmlformats.org/markup-compatibility/2006">
-    <mc:Choice xmlns:p14="http://schemas.microsoft.com/office/powerpoint/2010/main" Requires="p14">
+  <mc:AlternateContent xmlns:mc="http://schemas.openxmlformats.org/markup-compatibility/2006" xmlns:p14="http://schemas.microsoft.com/office/powerpoint/2010/main">
+    <mc:Choice Requires="p14">
       <p:transition spd="med" p14:dur="700">
         <p:fade/>
       </p:transition>
     </mc:Choice>
-    <mc:Fallback>
+    <mc:Fallback xmlns="">
       <p:transition spd="med">
         <p:fade/>
       </p:transition>
@@ -8371,13 +8386,13 @@
   <p:clrMapOvr>
     <a:masterClrMapping/>
   </p:clrMapOvr>
-  <mc:AlternateContent xmlns:mc="http://schemas.openxmlformats.org/markup-compatibility/2006">
-    <mc:Choice xmlns:p14="http://schemas.microsoft.com/office/powerpoint/2010/main" Requires="p14">
+  <mc:AlternateContent xmlns:mc="http://schemas.openxmlformats.org/markup-compatibility/2006" xmlns:p14="http://schemas.microsoft.com/office/powerpoint/2010/main">
+    <mc:Choice Requires="p14">
       <p:transition spd="med" p14:dur="700">
         <p:fade/>
       </p:transition>
     </mc:Choice>
-    <mc:Fallback>
+    <mc:Fallback xmlns="">
       <p:transition spd="med">
         <p:fade/>
       </p:transition>
@@ -8669,13 +8684,13 @@
   <p:clrMapOvr>
     <a:masterClrMapping/>
   </p:clrMapOvr>
-  <mc:AlternateContent xmlns:mc="http://schemas.openxmlformats.org/markup-compatibility/2006">
-    <mc:Choice xmlns:p14="http://schemas.microsoft.com/office/powerpoint/2010/main" Requires="p14">
+  <mc:AlternateContent xmlns:mc="http://schemas.openxmlformats.org/markup-compatibility/2006" xmlns:p14="http://schemas.microsoft.com/office/powerpoint/2010/main">
+    <mc:Choice Requires="p14">
       <p:transition spd="med" p14:dur="700">
         <p:fade/>
       </p:transition>
     </mc:Choice>
-    <mc:Fallback>
+    <mc:Fallback xmlns="">
       <p:transition spd="med">
         <p:fade/>
       </p:transition>
@@ -10724,13 +10739,13 @@
   <p:clrMapOvr>
     <a:masterClrMapping/>
   </p:clrMapOvr>
-  <mc:AlternateContent xmlns:mc="http://schemas.openxmlformats.org/markup-compatibility/2006">
-    <mc:Choice xmlns:p14="http://schemas.microsoft.com/office/powerpoint/2010/main" Requires="p14">
+  <mc:AlternateContent xmlns:mc="http://schemas.openxmlformats.org/markup-compatibility/2006" xmlns:p14="http://schemas.microsoft.com/office/powerpoint/2010/main">
+    <mc:Choice Requires="p14">
       <p:transition spd="slow" p14:dur="2000">
         <p:fade/>
       </p:transition>
     </mc:Choice>
-    <mc:Fallback>
+    <mc:Fallback xmlns="">
       <p:transition spd="slow">
         <p:fade/>
       </p:transition>
@@ -11087,16 +11102,7 @@
                 </a:solidFill>
                 <a:latin typeface="Consolas" panose="020B0609020204030204" pitchFamily="49" charset="0"/>
               </a:rPr>
-              <a:t>= </a:t>
-            </a:r>
-            <a:r>
-              <a:rPr lang="da-DK" sz="2000" b="1">
-                <a:solidFill>
-                  <a:srgbClr val="FF0000"/>
-                </a:solidFill>
-                <a:latin typeface="Consolas" panose="020B0609020204030204" pitchFamily="49" charset="0"/>
-              </a:rPr>
-              <a:t>calc(parameter</a:t>
+              <a:t>= calc(parameter</a:t>
             </a:r>
             <a:r>
               <a:rPr lang="da-DK" sz="2000" b="1" smtClean="0">
@@ -11277,11 +11283,7 @@
             </a:r>
             <a:r>
               <a:rPr lang="da-DK"/>
-              <a:t>: Vent, </a:t>
-            </a:r>
-            <a:r>
-              <a:rPr lang="da-DK"/>
-              <a:t>indtil </a:t>
+              <a:t>: Vent, indtil </a:t>
             </a:r>
             <a:r>
               <a:rPr lang="da-DK" u="sng" smtClean="0"/>
@@ -11293,11 +11295,7 @@
             </a:r>
             <a:r>
               <a:rPr lang="da-DK"/>
-              <a:t>angivne tasks </a:t>
-            </a:r>
-            <a:r>
-              <a:rPr lang="da-DK"/>
-              <a:t>er </a:t>
+              <a:t>angivne tasks er </a:t>
             </a:r>
             <a:r>
               <a:rPr lang="da-DK" smtClean="0"/>
@@ -11488,7 +11486,6 @@
               <a:rPr lang="da-DK" sz="2400"/>
               <a:t>()</a:t>
             </a:r>
-            <a:endParaRPr lang="da-DK" sz="2400"/>
           </a:p>
         </p:txBody>
       </p:sp>
@@ -11542,7 +11539,6 @@
               <a:rPr lang="da-DK" sz="2400"/>
               <a:t>()</a:t>
             </a:r>
-            <a:endParaRPr lang="da-DK" sz="2400"/>
           </a:p>
         </p:txBody>
       </p:sp>
@@ -11771,7 +11767,6 @@
               <a:rPr lang="da-DK" sz="2400"/>
               <a:t>()</a:t>
             </a:r>
-            <a:endParaRPr lang="da-DK" sz="2400"/>
           </a:p>
         </p:txBody>
       </p:sp>
@@ -11825,7 +11820,6 @@
               <a:rPr lang="da-DK" sz="2400"/>
               <a:t>()</a:t>
             </a:r>
-            <a:endParaRPr lang="da-DK" sz="2400"/>
           </a:p>
         </p:txBody>
       </p:sp>
@@ -11923,13 +11917,13 @@
   <p:clrMapOvr>
     <a:masterClrMapping/>
   </p:clrMapOvr>
-  <mc:AlternateContent xmlns:mc="http://schemas.openxmlformats.org/markup-compatibility/2006">
-    <mc:Choice xmlns:p14="http://schemas.microsoft.com/office/powerpoint/2010/main" Requires="p14">
+  <mc:AlternateContent xmlns:mc="http://schemas.openxmlformats.org/markup-compatibility/2006" xmlns:p14="http://schemas.microsoft.com/office/powerpoint/2010/main">
+    <mc:Choice Requires="p14">
       <p:transition spd="med" p14:dur="700">
         <p:fade/>
       </p:transition>
     </mc:Choice>
-    <mc:Fallback>
+    <mc:Fallback xmlns="">
       <p:transition spd="med">
         <p:fade/>
       </p:transition>
@@ -12275,18 +12269,7 @@
                 </a:solidFill>
                 <a:latin typeface="Consolas" panose="020B0609020204030204" pitchFamily="49" charset="0"/>
               </a:rPr>
-              <a:t>// </a:t>
-            </a:r>
-            <a:r>
-              <a:rPr lang="en-US" sz="2000" b="1">
-                <a:solidFill>
-                  <a:schemeClr val="accent6">
-                    <a:lumMod val="75000"/>
-                  </a:schemeClr>
-                </a:solidFill>
-                <a:latin typeface="Consolas" panose="020B0609020204030204" pitchFamily="49" charset="0"/>
-              </a:rPr>
-              <a:t>Keep doing work</a:t>
+              <a:t>// Keep doing work</a:t>
             </a:r>
             <a:endParaRPr lang="da-DK" sz="2000" b="1">
               <a:solidFill>
@@ -12353,29 +12336,7 @@
                 </a:solidFill>
                 <a:latin typeface="Consolas" panose="020B0609020204030204" pitchFamily="49" charset="0"/>
               </a:rPr>
-              <a:t>// </a:t>
-            </a:r>
-            <a:r>
-              <a:rPr lang="en-US" sz="2000" b="1">
-                <a:solidFill>
-                  <a:schemeClr val="accent6">
-                    <a:lumMod val="75000"/>
-                  </a:schemeClr>
-                </a:solidFill>
-                <a:latin typeface="Consolas" panose="020B0609020204030204" pitchFamily="49" charset="0"/>
-              </a:rPr>
-              <a:t>Do any operations needed </a:t>
-            </a:r>
-            <a:r>
-              <a:rPr lang="en-US" sz="2000" b="1">
-                <a:solidFill>
-                  <a:schemeClr val="accent6">
-                    <a:lumMod val="75000"/>
-                  </a:schemeClr>
-                </a:solidFill>
-                <a:latin typeface="Consolas" panose="020B0609020204030204" pitchFamily="49" charset="0"/>
-              </a:rPr>
-              <a:t>before </a:t>
+              <a:t>// Do any operations needed before </a:t>
             </a:r>
             <a:r>
               <a:rPr lang="en-US" sz="2000" b="1" smtClean="0">
@@ -12777,16 +12738,7 @@
                 </a:solidFill>
                 <a:latin typeface="Consolas" panose="020B0609020204030204" pitchFamily="49" charset="0"/>
               </a:rPr>
-              <a:t>// Do any operations needed </a:t>
-            </a:r>
-            <a:r>
-              <a:rPr lang="en-US" sz="2000" b="1">
-                <a:solidFill>
-                  <a:srgbClr val="FF0000"/>
-                </a:solidFill>
-                <a:latin typeface="Consolas" panose="020B0609020204030204" pitchFamily="49" charset="0"/>
-              </a:rPr>
-              <a:t>before </a:t>
+              <a:t>// Do any operations needed before </a:t>
             </a:r>
             <a:r>
               <a:rPr lang="en-US" sz="2000" b="1" smtClean="0">
@@ -12873,18 +12825,7 @@
                 </a:solidFill>
                 <a:latin typeface="Consolas" panose="020B0609020204030204" pitchFamily="49" charset="0"/>
               </a:rPr>
-              <a:t>Do any operations needed </a:t>
-            </a:r>
-            <a:r>
-              <a:rPr lang="en-US" sz="2000" b="1">
-                <a:solidFill>
-                  <a:schemeClr val="accent6">
-                    <a:lumMod val="75000"/>
-                  </a:schemeClr>
-                </a:solidFill>
-                <a:latin typeface="Consolas" panose="020B0609020204030204" pitchFamily="49" charset="0"/>
-              </a:rPr>
-              <a:t>before </a:t>
+              <a:t>Do any operations needed before </a:t>
             </a:r>
             <a:r>
               <a:rPr lang="en-US" sz="2000" b="1" smtClean="0">
@@ -12944,13 +12885,13 @@
   <p:clrMapOvr>
     <a:masterClrMapping/>
   </p:clrMapOvr>
-  <mc:AlternateContent xmlns:mc="http://schemas.openxmlformats.org/markup-compatibility/2006">
-    <mc:Choice xmlns:p14="http://schemas.microsoft.com/office/powerpoint/2010/main" Requires="p14">
+  <mc:AlternateContent xmlns:mc="http://schemas.openxmlformats.org/markup-compatibility/2006" xmlns:p14="http://schemas.microsoft.com/office/powerpoint/2010/main">
+    <mc:Choice Requires="p14">
       <p:transition spd="med" p14:dur="700">
         <p:fade/>
       </p:transition>
     </mc:Choice>
-    <mc:Fallback>
+    <mc:Fallback xmlns="">
       <p:transition spd="med">
         <p:fade/>
       </p:transition>
@@ -13125,13 +13066,7 @@
               <a:rPr lang="en-US" sz="2000" b="1">
                 <a:latin typeface="Consolas" panose="020B0609020204030204" pitchFamily="49" charset="0"/>
               </a:rPr>
-              <a:t> taskCalcA </a:t>
-            </a:r>
-            <a:r>
-              <a:rPr lang="en-US" sz="2000" b="1">
-                <a:latin typeface="Consolas" panose="020B0609020204030204" pitchFamily="49" charset="0"/>
-              </a:rPr>
-              <a:t>= </a:t>
+              <a:t> taskCalcA = </a:t>
             </a:r>
             <a:r>
               <a:rPr lang="en-US" sz="2000" b="1">
@@ -13154,13 +13089,7 @@
               <a:rPr lang="en-US" sz="2000" b="1">
                 <a:latin typeface="Consolas" panose="020B0609020204030204" pitchFamily="49" charset="0"/>
               </a:rPr>
-              <a:t>(() =&gt; CalcA(token), </a:t>
-            </a:r>
-            <a:r>
-              <a:rPr lang="en-US" sz="2000" b="1">
-                <a:latin typeface="Consolas" panose="020B0609020204030204" pitchFamily="49" charset="0"/>
-              </a:rPr>
-              <a:t>token</a:t>
+              <a:t>(() =&gt; CalcA(token), token</a:t>
             </a:r>
             <a:r>
               <a:rPr lang="en-US" sz="2000" b="1" smtClean="0">
@@ -13563,11 +13492,7 @@
             </a:r>
             <a:r>
               <a:rPr lang="en-US"/>
-              <a:t>: </a:t>
-            </a:r>
-            <a:r>
-              <a:rPr lang="en-US"/>
-              <a:t>Task </a:t>
+              <a:t>: Task </a:t>
             </a:r>
             <a:r>
               <a:rPr lang="en-US" smtClean="0"/>
@@ -13583,11 +13508,7 @@
             </a:r>
             <a:r>
               <a:rPr lang="en-US"/>
-              <a:t>: </a:t>
-            </a:r>
-            <a:r>
-              <a:rPr lang="en-US"/>
-              <a:t>Task </a:t>
+              <a:t>: Task </a:t>
             </a:r>
             <a:r>
               <a:rPr lang="en-US" smtClean="0"/>
@@ -13603,11 +13524,7 @@
             </a:r>
             <a:r>
               <a:rPr lang="en-US"/>
-              <a:t>: </a:t>
-            </a:r>
-            <a:r>
-              <a:rPr lang="en-US"/>
-              <a:t>Task </a:t>
+              <a:t>: Task </a:t>
             </a:r>
             <a:r>
               <a:rPr lang="en-US" smtClean="0"/>
@@ -13623,11 +13540,7 @@
             </a:r>
             <a:r>
               <a:rPr lang="en-US"/>
-              <a:t>: </a:t>
-            </a:r>
-            <a:r>
-              <a:rPr lang="en-US"/>
-              <a:t>Task </a:t>
+              <a:t>: Task </a:t>
             </a:r>
             <a:r>
               <a:rPr lang="en-US" smtClean="0"/>
@@ -13643,11 +13556,7 @@
             </a:r>
             <a:r>
               <a:rPr lang="en-US"/>
-              <a:t>: </a:t>
-            </a:r>
-            <a:r>
-              <a:rPr lang="en-US"/>
-              <a:t>Task </a:t>
+              <a:t>: Task </a:t>
             </a:r>
             <a:r>
               <a:rPr lang="en-US" smtClean="0"/>
@@ -13663,11 +13572,7 @@
             </a:r>
             <a:r>
               <a:rPr lang="en-US"/>
-              <a:t>: </a:t>
-            </a:r>
-            <a:r>
-              <a:rPr lang="en-US"/>
-              <a:t>Task </a:t>
+              <a:t>: Task </a:t>
             </a:r>
             <a:r>
               <a:rPr lang="en-US" smtClean="0"/>
@@ -13896,13 +13801,7 @@
               <a:rPr lang="en-US" sz="2400" b="1">
                 <a:latin typeface="Consolas" panose="020B0609020204030204" pitchFamily="49" charset="0"/>
               </a:rPr>
-              <a:t>i = 0; i </a:t>
-            </a:r>
-            <a:r>
-              <a:rPr lang="en-US" sz="2400" b="1">
-                <a:latin typeface="Consolas" panose="020B0609020204030204" pitchFamily="49" charset="0"/>
-              </a:rPr>
-              <a:t>&lt; </a:t>
+              <a:t>i = 0; i &lt; </a:t>
             </a:r>
             <a:r>
               <a:rPr lang="en-US" sz="2400" b="1" smtClean="0">
@@ -14116,13 +14015,7 @@
               <a:rPr lang="en-US" sz="2400" b="1">
                 <a:latin typeface="Consolas" panose="020B0609020204030204" pitchFamily="49" charset="0"/>
               </a:rPr>
-              <a:t>i = 0; i </a:t>
-            </a:r>
-            <a:r>
-              <a:rPr lang="en-US" sz="2400" b="1">
-                <a:latin typeface="Consolas" panose="020B0609020204030204" pitchFamily="49" charset="0"/>
-              </a:rPr>
-              <a:t>&lt; </a:t>
+              <a:t>i = 0; i &lt; </a:t>
             </a:r>
             <a:r>
               <a:rPr lang="en-US" sz="2400" b="1" smtClean="0">
@@ -14267,13 +14160,7 @@
               <a:rPr lang="en-US" sz="2400" b="1">
                 <a:latin typeface="Consolas" panose="020B0609020204030204" pitchFamily="49" charset="0"/>
               </a:rPr>
-              <a:t>.For(0, 100</a:t>
-            </a:r>
-            <a:r>
-              <a:rPr lang="en-US" sz="2400" b="1">
-                <a:latin typeface="Consolas" panose="020B0609020204030204" pitchFamily="49" charset="0"/>
-              </a:rPr>
-              <a:t>, </a:t>
+              <a:t>.For(0, 100, </a:t>
             </a:r>
             <a:r>
               <a:rPr lang="en-US" sz="2400" b="1" smtClean="0">
@@ -14327,13 +14214,13 @@
   <p:clrMapOvr>
     <a:masterClrMapping/>
   </p:clrMapOvr>
-  <mc:AlternateContent xmlns:mc="http://schemas.openxmlformats.org/markup-compatibility/2006">
-    <mc:Choice xmlns:p14="http://schemas.microsoft.com/office/powerpoint/2010/main" Requires="p14">
+  <mc:AlternateContent xmlns:mc="http://schemas.openxmlformats.org/markup-compatibility/2006" xmlns:p14="http://schemas.microsoft.com/office/powerpoint/2010/main">
+    <mc:Choice Requires="p14">
       <p:transition spd="med" p14:dur="700">
         <p:fade/>
       </p:transition>
     </mc:Choice>
-    <mc:Fallback>
+    <mc:Fallback xmlns="">
       <p:transition spd="med">
         <p:fade/>
       </p:transition>
@@ -14450,6 +14337,1119 @@
 </p:sld>
 </file>
 
+<file path=ppt/slides/slide35.xml><?xml version="1.0" encoding="utf-8"?>
+<p:sld xmlns:a="http://schemas.openxmlformats.org/drawingml/2006/main" xmlns:r="http://schemas.openxmlformats.org/officeDocument/2006/relationships" xmlns:p="http://schemas.openxmlformats.org/presentationml/2006/main">
+  <p:cSld>
+    <p:spTree>
+      <p:nvGrpSpPr>
+        <p:cNvPr id="1" name=""/>
+        <p:cNvGrpSpPr/>
+        <p:nvPr/>
+      </p:nvGrpSpPr>
+      <p:grpSpPr>
+        <a:xfrm>
+          <a:off x="0" y="0"/>
+          <a:ext cx="0" cy="0"/>
+          <a:chOff x="0" y="0"/>
+          <a:chExt cx="0" cy="0"/>
+        </a:xfrm>
+      </p:grpSpPr>
+      <p:sp>
+        <p:nvSpPr>
+          <p:cNvPr id="2" name="Titel 1"/>
+          <p:cNvSpPr>
+            <a:spLocks noGrp="1"/>
+          </p:cNvSpPr>
+          <p:nvPr>
+            <p:ph type="title"/>
+          </p:nvPr>
+        </p:nvSpPr>
+        <p:spPr/>
+        <p:txBody>
+          <a:bodyPr/>
+          <a:lstStyle/>
+          <a:p>
+            <a:r>
+              <a:rPr lang="da-DK" smtClean="0"/>
+              <a:t>Samtidig adgang til data</a:t>
+            </a:r>
+            <a:endParaRPr lang="da-DK"/>
+          </a:p>
+        </p:txBody>
+      </p:sp>
+      <p:sp>
+        <p:nvSpPr>
+          <p:cNvPr id="5" name="Afrundet rektangel 4"/>
+          <p:cNvSpPr/>
+          <p:nvPr/>
+        </p:nvSpPr>
+        <p:spPr>
+          <a:xfrm>
+            <a:off x="891704" y="3136486"/>
+            <a:ext cx="1501302" cy="794982"/>
+          </a:xfrm>
+          <a:prstGeom prst="roundRect">
+            <a:avLst/>
+          </a:prstGeom>
+          <a:solidFill>
+            <a:schemeClr val="bg2">
+              <a:lumMod val="50000"/>
+            </a:schemeClr>
+          </a:solidFill>
+        </p:spPr>
+        <p:style>
+          <a:lnRef idx="2">
+            <a:schemeClr val="accent1">
+              <a:shade val="50000"/>
+            </a:schemeClr>
+          </a:lnRef>
+          <a:fillRef idx="1">
+            <a:schemeClr val="accent1"/>
+          </a:fillRef>
+          <a:effectRef idx="0">
+            <a:schemeClr val="accent1"/>
+          </a:effectRef>
+          <a:fontRef idx="minor">
+            <a:schemeClr val="lt1"/>
+          </a:fontRef>
+        </p:style>
+        <p:txBody>
+          <a:bodyPr rtlCol="0" anchor="ctr"/>
+          <a:lstStyle/>
+          <a:p>
+            <a:pPr algn="ctr"/>
+            <a:r>
+              <a:rPr lang="da-DK" sz="4000" smtClean="0"/>
+              <a:t>Task</a:t>
+            </a:r>
+            <a:endParaRPr lang="da-DK" sz="4000"/>
+          </a:p>
+        </p:txBody>
+      </p:sp>
+      <p:sp>
+        <p:nvSpPr>
+          <p:cNvPr id="6" name="Afrundet rektangel 5"/>
+          <p:cNvSpPr/>
+          <p:nvPr/>
+        </p:nvSpPr>
+        <p:spPr>
+          <a:xfrm>
+            <a:off x="5168630" y="3136486"/>
+            <a:ext cx="1854740" cy="933854"/>
+          </a:xfrm>
+          <a:prstGeom prst="roundRect">
+            <a:avLst/>
+          </a:prstGeom>
+          <a:solidFill>
+            <a:srgbClr val="C00000"/>
+          </a:solidFill>
+        </p:spPr>
+        <p:style>
+          <a:lnRef idx="2">
+            <a:schemeClr val="accent1">
+              <a:shade val="50000"/>
+            </a:schemeClr>
+          </a:lnRef>
+          <a:fillRef idx="1">
+            <a:schemeClr val="accent1"/>
+          </a:fillRef>
+          <a:effectRef idx="0">
+            <a:schemeClr val="accent1"/>
+          </a:effectRef>
+          <a:fontRef idx="minor">
+            <a:schemeClr val="lt1"/>
+          </a:fontRef>
+        </p:style>
+        <p:txBody>
+          <a:bodyPr rtlCol="0" anchor="ctr"/>
+          <a:lstStyle/>
+          <a:p>
+            <a:pPr algn="ctr"/>
+            <a:r>
+              <a:rPr lang="da-DK" sz="4800" smtClean="0"/>
+              <a:t>Data</a:t>
+            </a:r>
+            <a:endParaRPr lang="da-DK" sz="4800"/>
+          </a:p>
+        </p:txBody>
+      </p:sp>
+      <p:sp>
+        <p:nvSpPr>
+          <p:cNvPr id="8" name="Afrundet rektangel 7"/>
+          <p:cNvSpPr/>
+          <p:nvPr/>
+        </p:nvSpPr>
+        <p:spPr>
+          <a:xfrm>
+            <a:off x="9798994" y="3142565"/>
+            <a:ext cx="1501302" cy="794982"/>
+          </a:xfrm>
+          <a:prstGeom prst="roundRect">
+            <a:avLst/>
+          </a:prstGeom>
+          <a:solidFill>
+            <a:schemeClr val="bg2">
+              <a:lumMod val="50000"/>
+            </a:schemeClr>
+          </a:solidFill>
+        </p:spPr>
+        <p:style>
+          <a:lnRef idx="2">
+            <a:schemeClr val="accent1">
+              <a:shade val="50000"/>
+            </a:schemeClr>
+          </a:lnRef>
+          <a:fillRef idx="1">
+            <a:schemeClr val="accent1"/>
+          </a:fillRef>
+          <a:effectRef idx="0">
+            <a:schemeClr val="accent1"/>
+          </a:effectRef>
+          <a:fontRef idx="minor">
+            <a:schemeClr val="lt1"/>
+          </a:fontRef>
+        </p:style>
+        <p:txBody>
+          <a:bodyPr rtlCol="0" anchor="ctr"/>
+          <a:lstStyle/>
+          <a:p>
+            <a:pPr algn="ctr"/>
+            <a:r>
+              <a:rPr lang="da-DK" sz="4000" smtClean="0"/>
+              <a:t>Task</a:t>
+            </a:r>
+            <a:endParaRPr lang="da-DK" sz="4000"/>
+          </a:p>
+        </p:txBody>
+      </p:sp>
+    </p:spTree>
+    <p:extLst>
+      <p:ext uri="{BB962C8B-B14F-4D97-AF65-F5344CB8AC3E}">
+        <p14:creationId xmlns:p14="http://schemas.microsoft.com/office/powerpoint/2010/main" val="951760711"/>
+      </p:ext>
+    </p:extLst>
+  </p:cSld>
+  <p:clrMapOvr>
+    <a:masterClrMapping/>
+  </p:clrMapOvr>
+  <p:timing>
+    <p:tnLst>
+      <p:par>
+        <p:cTn id="1" dur="indefinite" restart="never" nodeType="tmRoot"/>
+      </p:par>
+    </p:tnLst>
+  </p:timing>
+</p:sld>
+</file>
+
+<file path=ppt/slides/slide36.xml><?xml version="1.0" encoding="utf-8"?>
+<p:sld xmlns:a="http://schemas.openxmlformats.org/drawingml/2006/main" xmlns:r="http://schemas.openxmlformats.org/officeDocument/2006/relationships" xmlns:p="http://schemas.openxmlformats.org/presentationml/2006/main">
+  <p:cSld>
+    <p:spTree>
+      <p:nvGrpSpPr>
+        <p:cNvPr id="1" name=""/>
+        <p:cNvGrpSpPr/>
+        <p:nvPr/>
+      </p:nvGrpSpPr>
+      <p:grpSpPr>
+        <a:xfrm>
+          <a:off x="0" y="0"/>
+          <a:ext cx="0" cy="0"/>
+          <a:chOff x="0" y="0"/>
+          <a:chExt cx="0" cy="0"/>
+        </a:xfrm>
+      </p:grpSpPr>
+      <p:sp>
+        <p:nvSpPr>
+          <p:cNvPr id="5" name="Afrundet rektangel 4"/>
+          <p:cNvSpPr/>
+          <p:nvPr/>
+        </p:nvSpPr>
+        <p:spPr>
+          <a:xfrm>
+            <a:off x="891704" y="3136486"/>
+            <a:ext cx="1501302" cy="794982"/>
+          </a:xfrm>
+          <a:prstGeom prst="roundRect">
+            <a:avLst/>
+          </a:prstGeom>
+          <a:solidFill>
+            <a:schemeClr val="bg2">
+              <a:lumMod val="50000"/>
+            </a:schemeClr>
+          </a:solidFill>
+        </p:spPr>
+        <p:style>
+          <a:lnRef idx="2">
+            <a:schemeClr val="accent1">
+              <a:shade val="50000"/>
+            </a:schemeClr>
+          </a:lnRef>
+          <a:fillRef idx="1">
+            <a:schemeClr val="accent1"/>
+          </a:fillRef>
+          <a:effectRef idx="0">
+            <a:schemeClr val="accent1"/>
+          </a:effectRef>
+          <a:fontRef idx="minor">
+            <a:schemeClr val="lt1"/>
+          </a:fontRef>
+        </p:style>
+        <p:txBody>
+          <a:bodyPr rtlCol="0" anchor="ctr"/>
+          <a:lstStyle/>
+          <a:p>
+            <a:pPr algn="ctr"/>
+            <a:r>
+              <a:rPr lang="da-DK" sz="4000" smtClean="0"/>
+              <a:t>Task</a:t>
+            </a:r>
+            <a:endParaRPr lang="da-DK" sz="4000"/>
+          </a:p>
+        </p:txBody>
+      </p:sp>
+      <p:sp>
+        <p:nvSpPr>
+          <p:cNvPr id="6" name="Afrundet rektangel 5"/>
+          <p:cNvSpPr/>
+          <p:nvPr/>
+        </p:nvSpPr>
+        <p:spPr>
+          <a:xfrm>
+            <a:off x="5168630" y="3136486"/>
+            <a:ext cx="1854740" cy="933854"/>
+          </a:xfrm>
+          <a:prstGeom prst="roundRect">
+            <a:avLst/>
+          </a:prstGeom>
+          <a:solidFill>
+            <a:srgbClr val="C00000"/>
+          </a:solidFill>
+        </p:spPr>
+        <p:style>
+          <a:lnRef idx="2">
+            <a:schemeClr val="accent1">
+              <a:shade val="50000"/>
+            </a:schemeClr>
+          </a:lnRef>
+          <a:fillRef idx="1">
+            <a:schemeClr val="accent1"/>
+          </a:fillRef>
+          <a:effectRef idx="0">
+            <a:schemeClr val="accent1"/>
+          </a:effectRef>
+          <a:fontRef idx="minor">
+            <a:schemeClr val="lt1"/>
+          </a:fontRef>
+        </p:style>
+        <p:txBody>
+          <a:bodyPr rtlCol="0" anchor="ctr"/>
+          <a:lstStyle/>
+          <a:p>
+            <a:pPr algn="ctr"/>
+            <a:r>
+              <a:rPr lang="da-DK" sz="3600" smtClean="0"/>
+              <a:t>”(tom)”</a:t>
+            </a:r>
+            <a:endParaRPr lang="da-DK" sz="3600"/>
+          </a:p>
+        </p:txBody>
+      </p:sp>
+      <p:sp>
+        <p:nvSpPr>
+          <p:cNvPr id="8" name="Afrundet rektangel 7"/>
+          <p:cNvSpPr/>
+          <p:nvPr/>
+        </p:nvSpPr>
+        <p:spPr>
+          <a:xfrm>
+            <a:off x="9798994" y="3142565"/>
+            <a:ext cx="1501302" cy="794982"/>
+          </a:xfrm>
+          <a:prstGeom prst="roundRect">
+            <a:avLst/>
+          </a:prstGeom>
+          <a:solidFill>
+            <a:schemeClr val="bg2">
+              <a:lumMod val="50000"/>
+            </a:schemeClr>
+          </a:solidFill>
+        </p:spPr>
+        <p:style>
+          <a:lnRef idx="2">
+            <a:schemeClr val="accent1">
+              <a:shade val="50000"/>
+            </a:schemeClr>
+          </a:lnRef>
+          <a:fillRef idx="1">
+            <a:schemeClr val="accent1"/>
+          </a:fillRef>
+          <a:effectRef idx="0">
+            <a:schemeClr val="accent1"/>
+          </a:effectRef>
+          <a:fontRef idx="minor">
+            <a:schemeClr val="lt1"/>
+          </a:fontRef>
+        </p:style>
+        <p:txBody>
+          <a:bodyPr rtlCol="0" anchor="ctr"/>
+          <a:lstStyle/>
+          <a:p>
+            <a:pPr algn="ctr"/>
+            <a:r>
+              <a:rPr lang="da-DK" sz="4000" smtClean="0"/>
+              <a:t>Task</a:t>
+            </a:r>
+            <a:endParaRPr lang="da-DK" sz="4000"/>
+          </a:p>
+        </p:txBody>
+      </p:sp>
+    </p:spTree>
+    <p:extLst>
+      <p:ext uri="{BB962C8B-B14F-4D97-AF65-F5344CB8AC3E}">
+        <p14:creationId xmlns:p14="http://schemas.microsoft.com/office/powerpoint/2010/main" val="2773615195"/>
+      </p:ext>
+    </p:extLst>
+  </p:cSld>
+  <p:clrMapOvr>
+    <a:masterClrMapping/>
+  </p:clrMapOvr>
+  <mc:AlternateContent xmlns:mc="http://schemas.openxmlformats.org/markup-compatibility/2006">
+    <mc:Choice xmlns:p14="http://schemas.microsoft.com/office/powerpoint/2010/main" Requires="p14">
+      <p:transition spd="med" p14:dur="700">
+        <p:fade/>
+      </p:transition>
+    </mc:Choice>
+    <mc:Fallback>
+      <p:transition spd="med">
+        <p:fade/>
+      </p:transition>
+    </mc:Fallback>
+  </mc:AlternateContent>
+  <p:timing>
+    <p:tnLst>
+      <p:par>
+        <p:cTn id="1" dur="indefinite" restart="never" nodeType="tmRoot"/>
+      </p:par>
+    </p:tnLst>
+  </p:timing>
+</p:sld>
+</file>
+
+<file path=ppt/slides/slide37.xml><?xml version="1.0" encoding="utf-8"?>
+<p:sld xmlns:a="http://schemas.openxmlformats.org/drawingml/2006/main" xmlns:r="http://schemas.openxmlformats.org/officeDocument/2006/relationships" xmlns:p="http://schemas.openxmlformats.org/presentationml/2006/main">
+  <p:cSld>
+    <p:spTree>
+      <p:nvGrpSpPr>
+        <p:cNvPr id="1" name=""/>
+        <p:cNvGrpSpPr/>
+        <p:nvPr/>
+      </p:nvGrpSpPr>
+      <p:grpSpPr>
+        <a:xfrm>
+          <a:off x="0" y="0"/>
+          <a:ext cx="0" cy="0"/>
+          <a:chOff x="0" y="0"/>
+          <a:chExt cx="0" cy="0"/>
+        </a:xfrm>
+      </p:grpSpPr>
+      <p:sp>
+        <p:nvSpPr>
+          <p:cNvPr id="5" name="Afrundet rektangel 4"/>
+          <p:cNvSpPr/>
+          <p:nvPr/>
+        </p:nvSpPr>
+        <p:spPr>
+          <a:xfrm>
+            <a:off x="891704" y="3136486"/>
+            <a:ext cx="1501302" cy="794982"/>
+          </a:xfrm>
+          <a:prstGeom prst="roundRect">
+            <a:avLst/>
+          </a:prstGeom>
+          <a:solidFill>
+            <a:schemeClr val="bg2">
+              <a:lumMod val="50000"/>
+            </a:schemeClr>
+          </a:solidFill>
+        </p:spPr>
+        <p:style>
+          <a:lnRef idx="2">
+            <a:schemeClr val="accent1">
+              <a:shade val="50000"/>
+            </a:schemeClr>
+          </a:lnRef>
+          <a:fillRef idx="1">
+            <a:schemeClr val="accent1"/>
+          </a:fillRef>
+          <a:effectRef idx="0">
+            <a:schemeClr val="accent1"/>
+          </a:effectRef>
+          <a:fontRef idx="minor">
+            <a:schemeClr val="lt1"/>
+          </a:fontRef>
+        </p:style>
+        <p:txBody>
+          <a:bodyPr rtlCol="0" anchor="ctr"/>
+          <a:lstStyle/>
+          <a:p>
+            <a:pPr algn="ctr"/>
+            <a:r>
+              <a:rPr lang="da-DK" sz="4000" smtClean="0"/>
+              <a:t>Task</a:t>
+            </a:r>
+            <a:endParaRPr lang="da-DK" sz="4000"/>
+          </a:p>
+        </p:txBody>
+      </p:sp>
+      <p:sp>
+        <p:nvSpPr>
+          <p:cNvPr id="6" name="Afrundet rektangel 5"/>
+          <p:cNvSpPr/>
+          <p:nvPr/>
+        </p:nvSpPr>
+        <p:spPr>
+          <a:xfrm>
+            <a:off x="5168630" y="3136486"/>
+            <a:ext cx="1854740" cy="933854"/>
+          </a:xfrm>
+          <a:prstGeom prst="roundRect">
+            <a:avLst/>
+          </a:prstGeom>
+          <a:solidFill>
+            <a:srgbClr val="C00000"/>
+          </a:solidFill>
+        </p:spPr>
+        <p:style>
+          <a:lnRef idx="2">
+            <a:schemeClr val="accent1">
+              <a:shade val="50000"/>
+            </a:schemeClr>
+          </a:lnRef>
+          <a:fillRef idx="1">
+            <a:schemeClr val="accent1"/>
+          </a:fillRef>
+          <a:effectRef idx="0">
+            <a:schemeClr val="accent1"/>
+          </a:effectRef>
+          <a:fontRef idx="minor">
+            <a:schemeClr val="lt1"/>
+          </a:fontRef>
+        </p:style>
+        <p:txBody>
+          <a:bodyPr rtlCol="0" anchor="ctr"/>
+          <a:lstStyle/>
+          <a:p>
+            <a:pPr algn="ctr"/>
+            <a:r>
+              <a:rPr lang="da-DK" sz="3600" smtClean="0"/>
+              <a:t>”(tom)”</a:t>
+            </a:r>
+            <a:endParaRPr lang="da-DK" sz="3600"/>
+          </a:p>
+        </p:txBody>
+      </p:sp>
+      <p:sp>
+        <p:nvSpPr>
+          <p:cNvPr id="8" name="Afrundet rektangel 7"/>
+          <p:cNvSpPr/>
+          <p:nvPr/>
+        </p:nvSpPr>
+        <p:spPr>
+          <a:xfrm>
+            <a:off x="9798994" y="3142565"/>
+            <a:ext cx="1501302" cy="794982"/>
+          </a:xfrm>
+          <a:prstGeom prst="roundRect">
+            <a:avLst/>
+          </a:prstGeom>
+          <a:solidFill>
+            <a:schemeClr val="bg2">
+              <a:lumMod val="50000"/>
+            </a:schemeClr>
+          </a:solidFill>
+        </p:spPr>
+        <p:style>
+          <a:lnRef idx="2">
+            <a:schemeClr val="accent1">
+              <a:shade val="50000"/>
+            </a:schemeClr>
+          </a:lnRef>
+          <a:fillRef idx="1">
+            <a:schemeClr val="accent1"/>
+          </a:fillRef>
+          <a:effectRef idx="0">
+            <a:schemeClr val="accent1"/>
+          </a:effectRef>
+          <a:fontRef idx="minor">
+            <a:schemeClr val="lt1"/>
+          </a:fontRef>
+        </p:style>
+        <p:txBody>
+          <a:bodyPr rtlCol="0" anchor="ctr"/>
+          <a:lstStyle/>
+          <a:p>
+            <a:pPr algn="ctr"/>
+            <a:r>
+              <a:rPr lang="da-DK" sz="4000" smtClean="0"/>
+              <a:t>Task</a:t>
+            </a:r>
+            <a:endParaRPr lang="da-DK" sz="4000"/>
+          </a:p>
+        </p:txBody>
+      </p:sp>
+      <p:sp>
+        <p:nvSpPr>
+          <p:cNvPr id="4" name="Højrepil 3"/>
+          <p:cNvSpPr/>
+          <p:nvPr/>
+        </p:nvSpPr>
+        <p:spPr>
+          <a:xfrm>
+            <a:off x="2795081" y="3136486"/>
+            <a:ext cx="2120630" cy="929676"/>
+          </a:xfrm>
+          <a:prstGeom prst="rightArrow">
+            <a:avLst/>
+          </a:prstGeom>
+        </p:spPr>
+        <p:style>
+          <a:lnRef idx="2">
+            <a:schemeClr val="accent1">
+              <a:shade val="50000"/>
+            </a:schemeClr>
+          </a:lnRef>
+          <a:fillRef idx="1">
+            <a:schemeClr val="accent1"/>
+          </a:fillRef>
+          <a:effectRef idx="0">
+            <a:schemeClr val="accent1"/>
+          </a:effectRef>
+          <a:fontRef idx="minor">
+            <a:schemeClr val="lt1"/>
+          </a:fontRef>
+        </p:style>
+        <p:txBody>
+          <a:bodyPr rtlCol="0" anchor="ctr"/>
+          <a:lstStyle/>
+          <a:p>
+            <a:pPr algn="ctr"/>
+            <a:r>
+              <a:rPr lang="da-DK" sz="2800" smtClean="0"/>
+              <a:t>”Jan”</a:t>
+            </a:r>
+            <a:endParaRPr lang="da-DK" sz="2800"/>
+          </a:p>
+        </p:txBody>
+      </p:sp>
+    </p:spTree>
+    <p:extLst>
+      <p:ext uri="{BB962C8B-B14F-4D97-AF65-F5344CB8AC3E}">
+        <p14:creationId xmlns:p14="http://schemas.microsoft.com/office/powerpoint/2010/main" val="4139093499"/>
+      </p:ext>
+    </p:extLst>
+  </p:cSld>
+  <p:clrMapOvr>
+    <a:masterClrMapping/>
+  </p:clrMapOvr>
+  <mc:AlternateContent xmlns:mc="http://schemas.openxmlformats.org/markup-compatibility/2006">
+    <mc:Choice xmlns:p14="http://schemas.microsoft.com/office/powerpoint/2010/main" Requires="p14">
+      <p:transition spd="med" p14:dur="700">
+        <p:fade/>
+      </p:transition>
+    </mc:Choice>
+    <mc:Fallback>
+      <p:transition spd="med">
+        <p:fade/>
+      </p:transition>
+    </mc:Fallback>
+  </mc:AlternateContent>
+  <p:timing>
+    <p:tnLst>
+      <p:par>
+        <p:cTn id="1" dur="indefinite" restart="never" nodeType="tmRoot"/>
+      </p:par>
+    </p:tnLst>
+  </p:timing>
+</p:sld>
+</file>
+
+<file path=ppt/slides/slide38.xml><?xml version="1.0" encoding="utf-8"?>
+<p:sld xmlns:a="http://schemas.openxmlformats.org/drawingml/2006/main" xmlns:r="http://schemas.openxmlformats.org/officeDocument/2006/relationships" xmlns:p="http://schemas.openxmlformats.org/presentationml/2006/main">
+  <p:cSld>
+    <p:spTree>
+      <p:nvGrpSpPr>
+        <p:cNvPr id="1" name=""/>
+        <p:cNvGrpSpPr/>
+        <p:nvPr/>
+      </p:nvGrpSpPr>
+      <p:grpSpPr>
+        <a:xfrm>
+          <a:off x="0" y="0"/>
+          <a:ext cx="0" cy="0"/>
+          <a:chOff x="0" y="0"/>
+          <a:chExt cx="0" cy="0"/>
+        </a:xfrm>
+      </p:grpSpPr>
+      <p:sp>
+        <p:nvSpPr>
+          <p:cNvPr id="5" name="Afrundet rektangel 4"/>
+          <p:cNvSpPr/>
+          <p:nvPr/>
+        </p:nvSpPr>
+        <p:spPr>
+          <a:xfrm>
+            <a:off x="891704" y="3136486"/>
+            <a:ext cx="1501302" cy="794982"/>
+          </a:xfrm>
+          <a:prstGeom prst="roundRect">
+            <a:avLst/>
+          </a:prstGeom>
+          <a:solidFill>
+            <a:schemeClr val="bg2">
+              <a:lumMod val="50000"/>
+            </a:schemeClr>
+          </a:solidFill>
+        </p:spPr>
+        <p:style>
+          <a:lnRef idx="2">
+            <a:schemeClr val="accent1">
+              <a:shade val="50000"/>
+            </a:schemeClr>
+          </a:lnRef>
+          <a:fillRef idx="1">
+            <a:schemeClr val="accent1"/>
+          </a:fillRef>
+          <a:effectRef idx="0">
+            <a:schemeClr val="accent1"/>
+          </a:effectRef>
+          <a:fontRef idx="minor">
+            <a:schemeClr val="lt1"/>
+          </a:fontRef>
+        </p:style>
+        <p:txBody>
+          <a:bodyPr rtlCol="0" anchor="ctr"/>
+          <a:lstStyle/>
+          <a:p>
+            <a:pPr algn="ctr"/>
+            <a:r>
+              <a:rPr lang="da-DK" sz="4000" smtClean="0"/>
+              <a:t>Task</a:t>
+            </a:r>
+            <a:endParaRPr lang="da-DK" sz="4000"/>
+          </a:p>
+        </p:txBody>
+      </p:sp>
+      <p:sp>
+        <p:nvSpPr>
+          <p:cNvPr id="6" name="Afrundet rektangel 5"/>
+          <p:cNvSpPr/>
+          <p:nvPr/>
+        </p:nvSpPr>
+        <p:spPr>
+          <a:xfrm>
+            <a:off x="5168630" y="3136486"/>
+            <a:ext cx="1854740" cy="933854"/>
+          </a:xfrm>
+          <a:prstGeom prst="roundRect">
+            <a:avLst/>
+          </a:prstGeom>
+          <a:solidFill>
+            <a:srgbClr val="C00000"/>
+          </a:solidFill>
+        </p:spPr>
+        <p:style>
+          <a:lnRef idx="2">
+            <a:schemeClr val="accent1">
+              <a:shade val="50000"/>
+            </a:schemeClr>
+          </a:lnRef>
+          <a:fillRef idx="1">
+            <a:schemeClr val="accent1"/>
+          </a:fillRef>
+          <a:effectRef idx="0">
+            <a:schemeClr val="accent1"/>
+          </a:effectRef>
+          <a:fontRef idx="minor">
+            <a:schemeClr val="lt1"/>
+          </a:fontRef>
+        </p:style>
+        <p:txBody>
+          <a:bodyPr rtlCol="0" anchor="ctr"/>
+          <a:lstStyle/>
+          <a:p>
+            <a:pPr algn="ctr"/>
+            <a:r>
+              <a:rPr lang="da-DK" sz="3600" smtClean="0"/>
+              <a:t>”Jan”</a:t>
+            </a:r>
+            <a:endParaRPr lang="da-DK" sz="3600"/>
+          </a:p>
+        </p:txBody>
+      </p:sp>
+      <p:sp>
+        <p:nvSpPr>
+          <p:cNvPr id="8" name="Afrundet rektangel 7"/>
+          <p:cNvSpPr/>
+          <p:nvPr/>
+        </p:nvSpPr>
+        <p:spPr>
+          <a:xfrm>
+            <a:off x="9798994" y="3142565"/>
+            <a:ext cx="1501302" cy="794982"/>
+          </a:xfrm>
+          <a:prstGeom prst="roundRect">
+            <a:avLst/>
+          </a:prstGeom>
+          <a:solidFill>
+            <a:schemeClr val="bg2">
+              <a:lumMod val="50000"/>
+            </a:schemeClr>
+          </a:solidFill>
+        </p:spPr>
+        <p:style>
+          <a:lnRef idx="2">
+            <a:schemeClr val="accent1">
+              <a:shade val="50000"/>
+            </a:schemeClr>
+          </a:lnRef>
+          <a:fillRef idx="1">
+            <a:schemeClr val="accent1"/>
+          </a:fillRef>
+          <a:effectRef idx="0">
+            <a:schemeClr val="accent1"/>
+          </a:effectRef>
+          <a:fontRef idx="minor">
+            <a:schemeClr val="lt1"/>
+          </a:fontRef>
+        </p:style>
+        <p:txBody>
+          <a:bodyPr rtlCol="0" anchor="ctr"/>
+          <a:lstStyle/>
+          <a:p>
+            <a:pPr algn="ctr"/>
+            <a:r>
+              <a:rPr lang="da-DK" sz="4000" smtClean="0"/>
+              <a:t>Task</a:t>
+            </a:r>
+            <a:endParaRPr lang="da-DK" sz="4000"/>
+          </a:p>
+        </p:txBody>
+      </p:sp>
+      <p:sp>
+        <p:nvSpPr>
+          <p:cNvPr id="4" name="Højrepil 3"/>
+          <p:cNvSpPr/>
+          <p:nvPr/>
+        </p:nvSpPr>
+        <p:spPr>
+          <a:xfrm>
+            <a:off x="2795081" y="3136486"/>
+            <a:ext cx="2120630" cy="929676"/>
+          </a:xfrm>
+          <a:prstGeom prst="rightArrow">
+            <a:avLst/>
+          </a:prstGeom>
+        </p:spPr>
+        <p:style>
+          <a:lnRef idx="2">
+            <a:schemeClr val="accent1">
+              <a:shade val="50000"/>
+            </a:schemeClr>
+          </a:lnRef>
+          <a:fillRef idx="1">
+            <a:schemeClr val="accent1"/>
+          </a:fillRef>
+          <a:effectRef idx="0">
+            <a:schemeClr val="accent1"/>
+          </a:effectRef>
+          <a:fontRef idx="minor">
+            <a:schemeClr val="lt1"/>
+          </a:fontRef>
+        </p:style>
+        <p:txBody>
+          <a:bodyPr rtlCol="0" anchor="ctr"/>
+          <a:lstStyle/>
+          <a:p>
+            <a:pPr algn="ctr"/>
+            <a:r>
+              <a:rPr lang="da-DK" sz="2800" smtClean="0"/>
+              <a:t>”Jan”</a:t>
+            </a:r>
+            <a:endParaRPr lang="da-DK" sz="2800"/>
+          </a:p>
+        </p:txBody>
+      </p:sp>
+    </p:spTree>
+    <p:extLst>
+      <p:ext uri="{BB962C8B-B14F-4D97-AF65-F5344CB8AC3E}">
+        <p14:creationId xmlns:p14="http://schemas.microsoft.com/office/powerpoint/2010/main" val="2464017334"/>
+      </p:ext>
+    </p:extLst>
+  </p:cSld>
+  <p:clrMapOvr>
+    <a:masterClrMapping/>
+  </p:clrMapOvr>
+  <mc:AlternateContent xmlns:mc="http://schemas.openxmlformats.org/markup-compatibility/2006">
+    <mc:Choice xmlns:p14="http://schemas.microsoft.com/office/powerpoint/2010/main" Requires="p14">
+      <p:transition spd="med" p14:dur="700">
+        <p:fade/>
+      </p:transition>
+    </mc:Choice>
+    <mc:Fallback>
+      <p:transition spd="med">
+        <p:fade/>
+      </p:transition>
+    </mc:Fallback>
+  </mc:AlternateContent>
+  <p:timing>
+    <p:tnLst>
+      <p:par>
+        <p:cTn id="1" dur="indefinite" restart="never" nodeType="tmRoot"/>
+      </p:par>
+    </p:tnLst>
+  </p:timing>
+</p:sld>
+</file>
+
+<file path=ppt/slides/slide39.xml><?xml version="1.0" encoding="utf-8"?>
+<p:sld xmlns:a="http://schemas.openxmlformats.org/drawingml/2006/main" xmlns:r="http://schemas.openxmlformats.org/officeDocument/2006/relationships" xmlns:p="http://schemas.openxmlformats.org/presentationml/2006/main">
+  <p:cSld>
+    <p:spTree>
+      <p:nvGrpSpPr>
+        <p:cNvPr id="1" name=""/>
+        <p:cNvGrpSpPr/>
+        <p:nvPr/>
+      </p:nvGrpSpPr>
+      <p:grpSpPr>
+        <a:xfrm>
+          <a:off x="0" y="0"/>
+          <a:ext cx="0" cy="0"/>
+          <a:chOff x="0" y="0"/>
+          <a:chExt cx="0" cy="0"/>
+        </a:xfrm>
+      </p:grpSpPr>
+      <p:sp>
+        <p:nvSpPr>
+          <p:cNvPr id="5" name="Afrundet rektangel 4"/>
+          <p:cNvSpPr/>
+          <p:nvPr/>
+        </p:nvSpPr>
+        <p:spPr>
+          <a:xfrm>
+            <a:off x="891704" y="3136486"/>
+            <a:ext cx="1501302" cy="794982"/>
+          </a:xfrm>
+          <a:prstGeom prst="roundRect">
+            <a:avLst/>
+          </a:prstGeom>
+          <a:solidFill>
+            <a:schemeClr val="bg2">
+              <a:lumMod val="50000"/>
+            </a:schemeClr>
+          </a:solidFill>
+        </p:spPr>
+        <p:style>
+          <a:lnRef idx="2">
+            <a:schemeClr val="accent1">
+              <a:shade val="50000"/>
+            </a:schemeClr>
+          </a:lnRef>
+          <a:fillRef idx="1">
+            <a:schemeClr val="accent1"/>
+          </a:fillRef>
+          <a:effectRef idx="0">
+            <a:schemeClr val="accent1"/>
+          </a:effectRef>
+          <a:fontRef idx="minor">
+            <a:schemeClr val="lt1"/>
+          </a:fontRef>
+        </p:style>
+        <p:txBody>
+          <a:bodyPr rtlCol="0" anchor="ctr"/>
+          <a:lstStyle/>
+          <a:p>
+            <a:pPr algn="ctr"/>
+            <a:r>
+              <a:rPr lang="da-DK" sz="4000" smtClean="0"/>
+              <a:t>Task</a:t>
+            </a:r>
+            <a:endParaRPr lang="da-DK" sz="4000"/>
+          </a:p>
+        </p:txBody>
+      </p:sp>
+      <p:sp>
+        <p:nvSpPr>
+          <p:cNvPr id="6" name="Afrundet rektangel 5"/>
+          <p:cNvSpPr/>
+          <p:nvPr/>
+        </p:nvSpPr>
+        <p:spPr>
+          <a:xfrm>
+            <a:off x="5168630" y="3136486"/>
+            <a:ext cx="1854740" cy="933854"/>
+          </a:xfrm>
+          <a:prstGeom prst="roundRect">
+            <a:avLst/>
+          </a:prstGeom>
+          <a:solidFill>
+            <a:srgbClr val="C00000"/>
+          </a:solidFill>
+        </p:spPr>
+        <p:style>
+          <a:lnRef idx="2">
+            <a:schemeClr val="accent1">
+              <a:shade val="50000"/>
+            </a:schemeClr>
+          </a:lnRef>
+          <a:fillRef idx="1">
+            <a:schemeClr val="accent1"/>
+          </a:fillRef>
+          <a:effectRef idx="0">
+            <a:schemeClr val="accent1"/>
+          </a:effectRef>
+          <a:fontRef idx="minor">
+            <a:schemeClr val="lt1"/>
+          </a:fontRef>
+        </p:style>
+        <p:txBody>
+          <a:bodyPr rtlCol="0" anchor="ctr"/>
+          <a:lstStyle/>
+          <a:p>
+            <a:pPr algn="ctr"/>
+            <a:r>
+              <a:rPr lang="da-DK" sz="3600" smtClean="0"/>
+              <a:t>”Jan”</a:t>
+            </a:r>
+            <a:endParaRPr lang="da-DK" sz="3600"/>
+          </a:p>
+        </p:txBody>
+      </p:sp>
+      <p:sp>
+        <p:nvSpPr>
+          <p:cNvPr id="8" name="Afrundet rektangel 7"/>
+          <p:cNvSpPr/>
+          <p:nvPr/>
+        </p:nvSpPr>
+        <p:spPr>
+          <a:xfrm>
+            <a:off x="9798994" y="3142565"/>
+            <a:ext cx="1501302" cy="794982"/>
+          </a:xfrm>
+          <a:prstGeom prst="roundRect">
+            <a:avLst/>
+          </a:prstGeom>
+          <a:solidFill>
+            <a:schemeClr val="bg2">
+              <a:lumMod val="50000"/>
+            </a:schemeClr>
+          </a:solidFill>
+        </p:spPr>
+        <p:style>
+          <a:lnRef idx="2">
+            <a:schemeClr val="accent1">
+              <a:shade val="50000"/>
+            </a:schemeClr>
+          </a:lnRef>
+          <a:fillRef idx="1">
+            <a:schemeClr val="accent1"/>
+          </a:fillRef>
+          <a:effectRef idx="0">
+            <a:schemeClr val="accent1"/>
+          </a:effectRef>
+          <a:fontRef idx="minor">
+            <a:schemeClr val="lt1"/>
+          </a:fontRef>
+        </p:style>
+        <p:txBody>
+          <a:bodyPr rtlCol="0" anchor="ctr"/>
+          <a:lstStyle/>
+          <a:p>
+            <a:pPr algn="ctr"/>
+            <a:r>
+              <a:rPr lang="da-DK" sz="4000" smtClean="0"/>
+              <a:t>Task</a:t>
+            </a:r>
+            <a:endParaRPr lang="da-DK" sz="4000"/>
+          </a:p>
+        </p:txBody>
+      </p:sp>
+      <p:sp>
+        <p:nvSpPr>
+          <p:cNvPr id="4" name="Højrepil 3"/>
+          <p:cNvSpPr/>
+          <p:nvPr/>
+        </p:nvSpPr>
+        <p:spPr>
+          <a:xfrm>
+            <a:off x="2795081" y="3136486"/>
+            <a:ext cx="2120630" cy="929676"/>
+          </a:xfrm>
+          <a:prstGeom prst="rightArrow">
+            <a:avLst/>
+          </a:prstGeom>
+        </p:spPr>
+        <p:style>
+          <a:lnRef idx="2">
+            <a:schemeClr val="accent1">
+              <a:shade val="50000"/>
+            </a:schemeClr>
+          </a:lnRef>
+          <a:fillRef idx="1">
+            <a:schemeClr val="accent1"/>
+          </a:fillRef>
+          <a:effectRef idx="0">
+            <a:schemeClr val="accent1"/>
+          </a:effectRef>
+          <a:fontRef idx="minor">
+            <a:schemeClr val="lt1"/>
+          </a:fontRef>
+        </p:style>
+        <p:txBody>
+          <a:bodyPr rtlCol="0" anchor="ctr"/>
+          <a:lstStyle/>
+          <a:p>
+            <a:pPr algn="ctr"/>
+            <a:r>
+              <a:rPr lang="da-DK" sz="2800" smtClean="0"/>
+              <a:t>”Jim”</a:t>
+            </a:r>
+            <a:endParaRPr lang="da-DK" sz="2800"/>
+          </a:p>
+        </p:txBody>
+      </p:sp>
+    </p:spTree>
+    <p:extLst>
+      <p:ext uri="{BB962C8B-B14F-4D97-AF65-F5344CB8AC3E}">
+        <p14:creationId xmlns:p14="http://schemas.microsoft.com/office/powerpoint/2010/main" val="1569710035"/>
+      </p:ext>
+    </p:extLst>
+  </p:cSld>
+  <p:clrMapOvr>
+    <a:masterClrMapping/>
+  </p:clrMapOvr>
+  <mc:AlternateContent xmlns:mc="http://schemas.openxmlformats.org/markup-compatibility/2006">
+    <mc:Choice xmlns:p14="http://schemas.microsoft.com/office/powerpoint/2010/main" Requires="p14">
+      <p:transition spd="med" p14:dur="700">
+        <p:fade/>
+      </p:transition>
+    </mc:Choice>
+    <mc:Fallback>
+      <p:transition spd="med">
+        <p:fade/>
+      </p:transition>
+    </mc:Fallback>
+  </mc:AlternateContent>
+  <p:timing>
+    <p:tnLst>
+      <p:par>
+        <p:cTn id="1" dur="indefinite" restart="never" nodeType="tmRoot"/>
+      </p:par>
+    </p:tnLst>
+  </p:timing>
+</p:sld>
+</file>
+
 <file path=ppt/slides/slide4.xml><?xml version="1.0" encoding="utf-8"?>
 <p:sld xmlns:a="http://schemas.openxmlformats.org/drawingml/2006/main" xmlns:r="http://schemas.openxmlformats.org/officeDocument/2006/relationships" xmlns:p="http://schemas.openxmlformats.org/presentationml/2006/main">
   <p:cSld>
@@ -14731,15 +15731,3085 @@
   <p:clrMapOvr>
     <a:masterClrMapping/>
   </p:clrMapOvr>
-  <mc:AlternateContent xmlns:mc="http://schemas.openxmlformats.org/markup-compatibility/2006">
-    <mc:Choice xmlns:p14="http://schemas.microsoft.com/office/powerpoint/2010/main" Requires="p14">
+  <mc:AlternateContent xmlns:mc="http://schemas.openxmlformats.org/markup-compatibility/2006" xmlns:p14="http://schemas.microsoft.com/office/powerpoint/2010/main">
+    <mc:Choice Requires="p14">
       <p:transition p14:dur="100">
         <p:cut/>
       </p:transition>
     </mc:Choice>
-    <mc:Fallback>
+    <mc:Fallback xmlns="">
       <p:transition>
         <p:cut/>
+      </p:transition>
+    </mc:Fallback>
+  </mc:AlternateContent>
+  <p:timing>
+    <p:tnLst>
+      <p:par>
+        <p:cTn id="1" dur="indefinite" restart="never" nodeType="tmRoot"/>
+      </p:par>
+    </p:tnLst>
+  </p:timing>
+</p:sld>
+</file>
+
+<file path=ppt/slides/slide40.xml><?xml version="1.0" encoding="utf-8"?>
+<p:sld xmlns:a="http://schemas.openxmlformats.org/drawingml/2006/main" xmlns:r="http://schemas.openxmlformats.org/officeDocument/2006/relationships" xmlns:p="http://schemas.openxmlformats.org/presentationml/2006/main">
+  <p:cSld>
+    <p:spTree>
+      <p:nvGrpSpPr>
+        <p:cNvPr id="1" name=""/>
+        <p:cNvGrpSpPr/>
+        <p:nvPr/>
+      </p:nvGrpSpPr>
+      <p:grpSpPr>
+        <a:xfrm>
+          <a:off x="0" y="0"/>
+          <a:ext cx="0" cy="0"/>
+          <a:chOff x="0" y="0"/>
+          <a:chExt cx="0" cy="0"/>
+        </a:xfrm>
+      </p:grpSpPr>
+      <p:sp>
+        <p:nvSpPr>
+          <p:cNvPr id="5" name="Afrundet rektangel 4"/>
+          <p:cNvSpPr/>
+          <p:nvPr/>
+        </p:nvSpPr>
+        <p:spPr>
+          <a:xfrm>
+            <a:off x="891704" y="3136486"/>
+            <a:ext cx="1501302" cy="794982"/>
+          </a:xfrm>
+          <a:prstGeom prst="roundRect">
+            <a:avLst/>
+          </a:prstGeom>
+          <a:solidFill>
+            <a:schemeClr val="bg2">
+              <a:lumMod val="50000"/>
+            </a:schemeClr>
+          </a:solidFill>
+        </p:spPr>
+        <p:style>
+          <a:lnRef idx="2">
+            <a:schemeClr val="accent1">
+              <a:shade val="50000"/>
+            </a:schemeClr>
+          </a:lnRef>
+          <a:fillRef idx="1">
+            <a:schemeClr val="accent1"/>
+          </a:fillRef>
+          <a:effectRef idx="0">
+            <a:schemeClr val="accent1"/>
+          </a:effectRef>
+          <a:fontRef idx="minor">
+            <a:schemeClr val="lt1"/>
+          </a:fontRef>
+        </p:style>
+        <p:txBody>
+          <a:bodyPr rtlCol="0" anchor="ctr"/>
+          <a:lstStyle/>
+          <a:p>
+            <a:pPr algn="ctr"/>
+            <a:r>
+              <a:rPr lang="da-DK" sz="4000" smtClean="0"/>
+              <a:t>Task</a:t>
+            </a:r>
+            <a:endParaRPr lang="da-DK" sz="4000"/>
+          </a:p>
+        </p:txBody>
+      </p:sp>
+      <p:sp>
+        <p:nvSpPr>
+          <p:cNvPr id="6" name="Afrundet rektangel 5"/>
+          <p:cNvSpPr/>
+          <p:nvPr/>
+        </p:nvSpPr>
+        <p:spPr>
+          <a:xfrm>
+            <a:off x="5168630" y="3136486"/>
+            <a:ext cx="1854740" cy="933854"/>
+          </a:xfrm>
+          <a:prstGeom prst="roundRect">
+            <a:avLst/>
+          </a:prstGeom>
+          <a:solidFill>
+            <a:srgbClr val="C00000"/>
+          </a:solidFill>
+        </p:spPr>
+        <p:style>
+          <a:lnRef idx="2">
+            <a:schemeClr val="accent1">
+              <a:shade val="50000"/>
+            </a:schemeClr>
+          </a:lnRef>
+          <a:fillRef idx="1">
+            <a:schemeClr val="accent1"/>
+          </a:fillRef>
+          <a:effectRef idx="0">
+            <a:schemeClr val="accent1"/>
+          </a:effectRef>
+          <a:fontRef idx="minor">
+            <a:schemeClr val="lt1"/>
+          </a:fontRef>
+        </p:style>
+        <p:txBody>
+          <a:bodyPr rtlCol="0" anchor="ctr"/>
+          <a:lstStyle/>
+          <a:p>
+            <a:pPr algn="ctr"/>
+            <a:r>
+              <a:rPr lang="da-DK" sz="3600" smtClean="0"/>
+              <a:t>”Jim”</a:t>
+            </a:r>
+            <a:endParaRPr lang="da-DK" sz="3600"/>
+          </a:p>
+        </p:txBody>
+      </p:sp>
+      <p:sp>
+        <p:nvSpPr>
+          <p:cNvPr id="8" name="Afrundet rektangel 7"/>
+          <p:cNvSpPr/>
+          <p:nvPr/>
+        </p:nvSpPr>
+        <p:spPr>
+          <a:xfrm>
+            <a:off x="9798994" y="3142565"/>
+            <a:ext cx="1501302" cy="794982"/>
+          </a:xfrm>
+          <a:prstGeom prst="roundRect">
+            <a:avLst/>
+          </a:prstGeom>
+          <a:solidFill>
+            <a:schemeClr val="bg2">
+              <a:lumMod val="50000"/>
+            </a:schemeClr>
+          </a:solidFill>
+        </p:spPr>
+        <p:style>
+          <a:lnRef idx="2">
+            <a:schemeClr val="accent1">
+              <a:shade val="50000"/>
+            </a:schemeClr>
+          </a:lnRef>
+          <a:fillRef idx="1">
+            <a:schemeClr val="accent1"/>
+          </a:fillRef>
+          <a:effectRef idx="0">
+            <a:schemeClr val="accent1"/>
+          </a:effectRef>
+          <a:fontRef idx="minor">
+            <a:schemeClr val="lt1"/>
+          </a:fontRef>
+        </p:style>
+        <p:txBody>
+          <a:bodyPr rtlCol="0" anchor="ctr"/>
+          <a:lstStyle/>
+          <a:p>
+            <a:pPr algn="ctr"/>
+            <a:r>
+              <a:rPr lang="da-DK" sz="4000" smtClean="0"/>
+              <a:t>Task</a:t>
+            </a:r>
+            <a:endParaRPr lang="da-DK" sz="4000"/>
+          </a:p>
+        </p:txBody>
+      </p:sp>
+      <p:sp>
+        <p:nvSpPr>
+          <p:cNvPr id="4" name="Højrepil 3"/>
+          <p:cNvSpPr/>
+          <p:nvPr/>
+        </p:nvSpPr>
+        <p:spPr>
+          <a:xfrm>
+            <a:off x="2795081" y="3136486"/>
+            <a:ext cx="2120630" cy="929676"/>
+          </a:xfrm>
+          <a:prstGeom prst="rightArrow">
+            <a:avLst/>
+          </a:prstGeom>
+        </p:spPr>
+        <p:style>
+          <a:lnRef idx="2">
+            <a:schemeClr val="accent1">
+              <a:shade val="50000"/>
+            </a:schemeClr>
+          </a:lnRef>
+          <a:fillRef idx="1">
+            <a:schemeClr val="accent1"/>
+          </a:fillRef>
+          <a:effectRef idx="0">
+            <a:schemeClr val="accent1"/>
+          </a:effectRef>
+          <a:fontRef idx="minor">
+            <a:schemeClr val="lt1"/>
+          </a:fontRef>
+        </p:style>
+        <p:txBody>
+          <a:bodyPr rtlCol="0" anchor="ctr"/>
+          <a:lstStyle/>
+          <a:p>
+            <a:pPr algn="ctr"/>
+            <a:r>
+              <a:rPr lang="da-DK" sz="2800" smtClean="0"/>
+              <a:t>”Jim”</a:t>
+            </a:r>
+            <a:endParaRPr lang="da-DK" sz="2800"/>
+          </a:p>
+        </p:txBody>
+      </p:sp>
+    </p:spTree>
+    <p:extLst>
+      <p:ext uri="{BB962C8B-B14F-4D97-AF65-F5344CB8AC3E}">
+        <p14:creationId xmlns:p14="http://schemas.microsoft.com/office/powerpoint/2010/main" val="1719595419"/>
+      </p:ext>
+    </p:extLst>
+  </p:cSld>
+  <p:clrMapOvr>
+    <a:masterClrMapping/>
+  </p:clrMapOvr>
+  <mc:AlternateContent xmlns:mc="http://schemas.openxmlformats.org/markup-compatibility/2006">
+    <mc:Choice xmlns:p14="http://schemas.microsoft.com/office/powerpoint/2010/main" Requires="p14">
+      <p:transition spd="med" p14:dur="700">
+        <p:fade/>
+      </p:transition>
+    </mc:Choice>
+    <mc:Fallback>
+      <p:transition spd="med">
+        <p:fade/>
+      </p:transition>
+    </mc:Fallback>
+  </mc:AlternateContent>
+  <p:timing>
+    <p:tnLst>
+      <p:par>
+        <p:cTn id="1" dur="indefinite" restart="never" nodeType="tmRoot"/>
+      </p:par>
+    </p:tnLst>
+  </p:timing>
+</p:sld>
+</file>
+
+<file path=ppt/slides/slide41.xml><?xml version="1.0" encoding="utf-8"?>
+<p:sld xmlns:a="http://schemas.openxmlformats.org/drawingml/2006/main" xmlns:r="http://schemas.openxmlformats.org/officeDocument/2006/relationships" xmlns:p="http://schemas.openxmlformats.org/presentationml/2006/main">
+  <p:cSld>
+    <p:spTree>
+      <p:nvGrpSpPr>
+        <p:cNvPr id="1" name=""/>
+        <p:cNvGrpSpPr/>
+        <p:nvPr/>
+      </p:nvGrpSpPr>
+      <p:grpSpPr>
+        <a:xfrm>
+          <a:off x="0" y="0"/>
+          <a:ext cx="0" cy="0"/>
+          <a:chOff x="0" y="0"/>
+          <a:chExt cx="0" cy="0"/>
+        </a:xfrm>
+      </p:grpSpPr>
+      <p:sp>
+        <p:nvSpPr>
+          <p:cNvPr id="5" name="Afrundet rektangel 4"/>
+          <p:cNvSpPr/>
+          <p:nvPr/>
+        </p:nvSpPr>
+        <p:spPr>
+          <a:xfrm>
+            <a:off x="891704" y="3136486"/>
+            <a:ext cx="1501302" cy="794982"/>
+          </a:xfrm>
+          <a:prstGeom prst="roundRect">
+            <a:avLst/>
+          </a:prstGeom>
+          <a:solidFill>
+            <a:schemeClr val="bg2">
+              <a:lumMod val="50000"/>
+            </a:schemeClr>
+          </a:solidFill>
+        </p:spPr>
+        <p:style>
+          <a:lnRef idx="2">
+            <a:schemeClr val="accent1">
+              <a:shade val="50000"/>
+            </a:schemeClr>
+          </a:lnRef>
+          <a:fillRef idx="1">
+            <a:schemeClr val="accent1"/>
+          </a:fillRef>
+          <a:effectRef idx="0">
+            <a:schemeClr val="accent1"/>
+          </a:effectRef>
+          <a:fontRef idx="minor">
+            <a:schemeClr val="lt1"/>
+          </a:fontRef>
+        </p:style>
+        <p:txBody>
+          <a:bodyPr rtlCol="0" anchor="ctr"/>
+          <a:lstStyle/>
+          <a:p>
+            <a:pPr algn="ctr"/>
+            <a:r>
+              <a:rPr lang="da-DK" sz="4000" smtClean="0"/>
+              <a:t>Task</a:t>
+            </a:r>
+            <a:endParaRPr lang="da-DK" sz="4000"/>
+          </a:p>
+        </p:txBody>
+      </p:sp>
+      <p:sp>
+        <p:nvSpPr>
+          <p:cNvPr id="6" name="Afrundet rektangel 5"/>
+          <p:cNvSpPr/>
+          <p:nvPr/>
+        </p:nvSpPr>
+        <p:spPr>
+          <a:xfrm>
+            <a:off x="5168630" y="3136486"/>
+            <a:ext cx="1854740" cy="933854"/>
+          </a:xfrm>
+          <a:prstGeom prst="roundRect">
+            <a:avLst/>
+          </a:prstGeom>
+          <a:solidFill>
+            <a:srgbClr val="C00000"/>
+          </a:solidFill>
+        </p:spPr>
+        <p:style>
+          <a:lnRef idx="2">
+            <a:schemeClr val="accent1">
+              <a:shade val="50000"/>
+            </a:schemeClr>
+          </a:lnRef>
+          <a:fillRef idx="1">
+            <a:schemeClr val="accent1"/>
+          </a:fillRef>
+          <a:effectRef idx="0">
+            <a:schemeClr val="accent1"/>
+          </a:effectRef>
+          <a:fontRef idx="minor">
+            <a:schemeClr val="lt1"/>
+          </a:fontRef>
+        </p:style>
+        <p:txBody>
+          <a:bodyPr rtlCol="0" anchor="ctr"/>
+          <a:lstStyle/>
+          <a:p>
+            <a:pPr algn="ctr"/>
+            <a:r>
+              <a:rPr lang="da-DK" sz="3600" smtClean="0"/>
+              <a:t>”Jim”</a:t>
+            </a:r>
+            <a:endParaRPr lang="da-DK" sz="3600"/>
+          </a:p>
+        </p:txBody>
+      </p:sp>
+      <p:sp>
+        <p:nvSpPr>
+          <p:cNvPr id="8" name="Afrundet rektangel 7"/>
+          <p:cNvSpPr/>
+          <p:nvPr/>
+        </p:nvSpPr>
+        <p:spPr>
+          <a:xfrm>
+            <a:off x="9798994" y="3142565"/>
+            <a:ext cx="1501302" cy="794982"/>
+          </a:xfrm>
+          <a:prstGeom prst="roundRect">
+            <a:avLst/>
+          </a:prstGeom>
+          <a:solidFill>
+            <a:schemeClr val="bg2">
+              <a:lumMod val="50000"/>
+            </a:schemeClr>
+          </a:solidFill>
+        </p:spPr>
+        <p:style>
+          <a:lnRef idx="2">
+            <a:schemeClr val="accent1">
+              <a:shade val="50000"/>
+            </a:schemeClr>
+          </a:lnRef>
+          <a:fillRef idx="1">
+            <a:schemeClr val="accent1"/>
+          </a:fillRef>
+          <a:effectRef idx="0">
+            <a:schemeClr val="accent1"/>
+          </a:effectRef>
+          <a:fontRef idx="minor">
+            <a:schemeClr val="lt1"/>
+          </a:fontRef>
+        </p:style>
+        <p:txBody>
+          <a:bodyPr rtlCol="0" anchor="ctr"/>
+          <a:lstStyle/>
+          <a:p>
+            <a:pPr algn="ctr"/>
+            <a:r>
+              <a:rPr lang="da-DK" sz="4000" smtClean="0"/>
+              <a:t>Task</a:t>
+            </a:r>
+            <a:endParaRPr lang="da-DK" sz="4000"/>
+          </a:p>
+        </p:txBody>
+      </p:sp>
+      <p:sp>
+        <p:nvSpPr>
+          <p:cNvPr id="4" name="Højrepil 3"/>
+          <p:cNvSpPr/>
+          <p:nvPr/>
+        </p:nvSpPr>
+        <p:spPr>
+          <a:xfrm>
+            <a:off x="2795081" y="3136486"/>
+            <a:ext cx="2120630" cy="929676"/>
+          </a:xfrm>
+          <a:prstGeom prst="rightArrow">
+            <a:avLst/>
+          </a:prstGeom>
+        </p:spPr>
+        <p:style>
+          <a:lnRef idx="2">
+            <a:schemeClr val="accent1">
+              <a:shade val="50000"/>
+            </a:schemeClr>
+          </a:lnRef>
+          <a:fillRef idx="1">
+            <a:schemeClr val="accent1"/>
+          </a:fillRef>
+          <a:effectRef idx="0">
+            <a:schemeClr val="accent1"/>
+          </a:effectRef>
+          <a:fontRef idx="minor">
+            <a:schemeClr val="lt1"/>
+          </a:fontRef>
+        </p:style>
+        <p:txBody>
+          <a:bodyPr rtlCol="0" anchor="ctr"/>
+          <a:lstStyle/>
+          <a:p>
+            <a:pPr algn="ctr"/>
+            <a:r>
+              <a:rPr lang="da-DK" sz="2800" smtClean="0"/>
+              <a:t>”Lars”</a:t>
+            </a:r>
+            <a:endParaRPr lang="da-DK" sz="2800"/>
+          </a:p>
+        </p:txBody>
+      </p:sp>
+      <p:sp>
+        <p:nvSpPr>
+          <p:cNvPr id="7" name="Højrepil 6"/>
+          <p:cNvSpPr/>
+          <p:nvPr/>
+        </p:nvSpPr>
+        <p:spPr>
+          <a:xfrm flipH="1">
+            <a:off x="7350867" y="3136486"/>
+            <a:ext cx="2120630" cy="929676"/>
+          </a:xfrm>
+          <a:prstGeom prst="rightArrow">
+            <a:avLst/>
+          </a:prstGeom>
+        </p:spPr>
+        <p:style>
+          <a:lnRef idx="2">
+            <a:schemeClr val="accent1">
+              <a:shade val="50000"/>
+            </a:schemeClr>
+          </a:lnRef>
+          <a:fillRef idx="1">
+            <a:schemeClr val="accent1"/>
+          </a:fillRef>
+          <a:effectRef idx="0">
+            <a:schemeClr val="accent1"/>
+          </a:effectRef>
+          <a:fontRef idx="minor">
+            <a:schemeClr val="lt1"/>
+          </a:fontRef>
+        </p:style>
+        <p:txBody>
+          <a:bodyPr rtlCol="0" anchor="ctr"/>
+          <a:lstStyle/>
+          <a:p>
+            <a:pPr algn="ctr"/>
+            <a:r>
+              <a:rPr lang="da-DK" sz="2800" smtClean="0"/>
+              <a:t>”Ole”</a:t>
+            </a:r>
+            <a:endParaRPr lang="da-DK" sz="2800"/>
+          </a:p>
+        </p:txBody>
+      </p:sp>
+    </p:spTree>
+    <p:extLst>
+      <p:ext uri="{BB962C8B-B14F-4D97-AF65-F5344CB8AC3E}">
+        <p14:creationId xmlns:p14="http://schemas.microsoft.com/office/powerpoint/2010/main" val="1271679533"/>
+      </p:ext>
+    </p:extLst>
+  </p:cSld>
+  <p:clrMapOvr>
+    <a:masterClrMapping/>
+  </p:clrMapOvr>
+  <mc:AlternateContent xmlns:mc="http://schemas.openxmlformats.org/markup-compatibility/2006">
+    <mc:Choice xmlns:p14="http://schemas.microsoft.com/office/powerpoint/2010/main" Requires="p14">
+      <p:transition spd="med" p14:dur="700">
+        <p:fade/>
+      </p:transition>
+    </mc:Choice>
+    <mc:Fallback>
+      <p:transition spd="med">
+        <p:fade/>
+      </p:transition>
+    </mc:Fallback>
+  </mc:AlternateContent>
+  <p:timing>
+    <p:tnLst>
+      <p:par>
+        <p:cTn id="1" dur="indefinite" restart="never" nodeType="tmRoot"/>
+      </p:par>
+    </p:tnLst>
+  </p:timing>
+</p:sld>
+</file>
+
+<file path=ppt/slides/slide42.xml><?xml version="1.0" encoding="utf-8"?>
+<p:sld xmlns:a="http://schemas.openxmlformats.org/drawingml/2006/main" xmlns:r="http://schemas.openxmlformats.org/officeDocument/2006/relationships" xmlns:p="http://schemas.openxmlformats.org/presentationml/2006/main">
+  <p:cSld>
+    <p:spTree>
+      <p:nvGrpSpPr>
+        <p:cNvPr id="1" name=""/>
+        <p:cNvGrpSpPr/>
+        <p:nvPr/>
+      </p:nvGrpSpPr>
+      <p:grpSpPr>
+        <a:xfrm>
+          <a:off x="0" y="0"/>
+          <a:ext cx="0" cy="0"/>
+          <a:chOff x="0" y="0"/>
+          <a:chExt cx="0" cy="0"/>
+        </a:xfrm>
+      </p:grpSpPr>
+      <p:sp>
+        <p:nvSpPr>
+          <p:cNvPr id="5" name="Afrundet rektangel 4"/>
+          <p:cNvSpPr/>
+          <p:nvPr/>
+        </p:nvSpPr>
+        <p:spPr>
+          <a:xfrm>
+            <a:off x="891704" y="3136486"/>
+            <a:ext cx="1501302" cy="794982"/>
+          </a:xfrm>
+          <a:prstGeom prst="roundRect">
+            <a:avLst/>
+          </a:prstGeom>
+          <a:solidFill>
+            <a:schemeClr val="bg2">
+              <a:lumMod val="50000"/>
+            </a:schemeClr>
+          </a:solidFill>
+        </p:spPr>
+        <p:style>
+          <a:lnRef idx="2">
+            <a:schemeClr val="accent1">
+              <a:shade val="50000"/>
+            </a:schemeClr>
+          </a:lnRef>
+          <a:fillRef idx="1">
+            <a:schemeClr val="accent1"/>
+          </a:fillRef>
+          <a:effectRef idx="0">
+            <a:schemeClr val="accent1"/>
+          </a:effectRef>
+          <a:fontRef idx="minor">
+            <a:schemeClr val="lt1"/>
+          </a:fontRef>
+        </p:style>
+        <p:txBody>
+          <a:bodyPr rtlCol="0" anchor="ctr"/>
+          <a:lstStyle/>
+          <a:p>
+            <a:pPr algn="ctr"/>
+            <a:r>
+              <a:rPr lang="da-DK" sz="4000" smtClean="0"/>
+              <a:t>Task</a:t>
+            </a:r>
+            <a:endParaRPr lang="da-DK" sz="4000"/>
+          </a:p>
+        </p:txBody>
+      </p:sp>
+      <p:sp>
+        <p:nvSpPr>
+          <p:cNvPr id="6" name="Afrundet rektangel 5"/>
+          <p:cNvSpPr/>
+          <p:nvPr/>
+        </p:nvSpPr>
+        <p:spPr>
+          <a:xfrm>
+            <a:off x="5168630" y="3136486"/>
+            <a:ext cx="1854740" cy="933854"/>
+          </a:xfrm>
+          <a:prstGeom prst="roundRect">
+            <a:avLst/>
+          </a:prstGeom>
+          <a:solidFill>
+            <a:srgbClr val="C00000"/>
+          </a:solidFill>
+        </p:spPr>
+        <p:style>
+          <a:lnRef idx="2">
+            <a:schemeClr val="accent1">
+              <a:shade val="50000"/>
+            </a:schemeClr>
+          </a:lnRef>
+          <a:fillRef idx="1">
+            <a:schemeClr val="accent1"/>
+          </a:fillRef>
+          <a:effectRef idx="0">
+            <a:schemeClr val="accent1"/>
+          </a:effectRef>
+          <a:fontRef idx="minor">
+            <a:schemeClr val="lt1"/>
+          </a:fontRef>
+        </p:style>
+        <p:txBody>
+          <a:bodyPr rtlCol="0" anchor="ctr"/>
+          <a:lstStyle/>
+          <a:p>
+            <a:pPr algn="ctr"/>
+            <a:r>
+              <a:rPr lang="da-DK" sz="3600" smtClean="0"/>
+              <a:t>”LOrse”</a:t>
+            </a:r>
+            <a:endParaRPr lang="da-DK" sz="3600"/>
+          </a:p>
+        </p:txBody>
+      </p:sp>
+      <p:sp>
+        <p:nvSpPr>
+          <p:cNvPr id="8" name="Afrundet rektangel 7"/>
+          <p:cNvSpPr/>
+          <p:nvPr/>
+        </p:nvSpPr>
+        <p:spPr>
+          <a:xfrm>
+            <a:off x="9798994" y="3142565"/>
+            <a:ext cx="1501302" cy="794982"/>
+          </a:xfrm>
+          <a:prstGeom prst="roundRect">
+            <a:avLst/>
+          </a:prstGeom>
+          <a:solidFill>
+            <a:schemeClr val="bg2">
+              <a:lumMod val="50000"/>
+            </a:schemeClr>
+          </a:solidFill>
+        </p:spPr>
+        <p:style>
+          <a:lnRef idx="2">
+            <a:schemeClr val="accent1">
+              <a:shade val="50000"/>
+            </a:schemeClr>
+          </a:lnRef>
+          <a:fillRef idx="1">
+            <a:schemeClr val="accent1"/>
+          </a:fillRef>
+          <a:effectRef idx="0">
+            <a:schemeClr val="accent1"/>
+          </a:effectRef>
+          <a:fontRef idx="minor">
+            <a:schemeClr val="lt1"/>
+          </a:fontRef>
+        </p:style>
+        <p:txBody>
+          <a:bodyPr rtlCol="0" anchor="ctr"/>
+          <a:lstStyle/>
+          <a:p>
+            <a:pPr algn="ctr"/>
+            <a:r>
+              <a:rPr lang="da-DK" sz="4000" smtClean="0"/>
+              <a:t>Task</a:t>
+            </a:r>
+            <a:endParaRPr lang="da-DK" sz="4000"/>
+          </a:p>
+        </p:txBody>
+      </p:sp>
+      <p:sp>
+        <p:nvSpPr>
+          <p:cNvPr id="4" name="Højrepil 3"/>
+          <p:cNvSpPr/>
+          <p:nvPr/>
+        </p:nvSpPr>
+        <p:spPr>
+          <a:xfrm>
+            <a:off x="2795081" y="3136486"/>
+            <a:ext cx="2120630" cy="929676"/>
+          </a:xfrm>
+          <a:prstGeom prst="rightArrow">
+            <a:avLst/>
+          </a:prstGeom>
+        </p:spPr>
+        <p:style>
+          <a:lnRef idx="2">
+            <a:schemeClr val="accent1">
+              <a:shade val="50000"/>
+            </a:schemeClr>
+          </a:lnRef>
+          <a:fillRef idx="1">
+            <a:schemeClr val="accent1"/>
+          </a:fillRef>
+          <a:effectRef idx="0">
+            <a:schemeClr val="accent1"/>
+          </a:effectRef>
+          <a:fontRef idx="minor">
+            <a:schemeClr val="lt1"/>
+          </a:fontRef>
+        </p:style>
+        <p:txBody>
+          <a:bodyPr rtlCol="0" anchor="ctr"/>
+          <a:lstStyle/>
+          <a:p>
+            <a:pPr algn="ctr"/>
+            <a:r>
+              <a:rPr lang="da-DK" sz="2800" smtClean="0"/>
+              <a:t>”Lars”</a:t>
+            </a:r>
+            <a:endParaRPr lang="da-DK" sz="2800"/>
+          </a:p>
+        </p:txBody>
+      </p:sp>
+      <p:sp>
+        <p:nvSpPr>
+          <p:cNvPr id="7" name="Højrepil 6"/>
+          <p:cNvSpPr/>
+          <p:nvPr/>
+        </p:nvSpPr>
+        <p:spPr>
+          <a:xfrm flipH="1">
+            <a:off x="7350867" y="3136486"/>
+            <a:ext cx="2120630" cy="929676"/>
+          </a:xfrm>
+          <a:prstGeom prst="rightArrow">
+            <a:avLst/>
+          </a:prstGeom>
+        </p:spPr>
+        <p:style>
+          <a:lnRef idx="2">
+            <a:schemeClr val="accent1">
+              <a:shade val="50000"/>
+            </a:schemeClr>
+          </a:lnRef>
+          <a:fillRef idx="1">
+            <a:schemeClr val="accent1"/>
+          </a:fillRef>
+          <a:effectRef idx="0">
+            <a:schemeClr val="accent1"/>
+          </a:effectRef>
+          <a:fontRef idx="minor">
+            <a:schemeClr val="lt1"/>
+          </a:fontRef>
+        </p:style>
+        <p:txBody>
+          <a:bodyPr rtlCol="0" anchor="ctr"/>
+          <a:lstStyle/>
+          <a:p>
+            <a:pPr algn="ctr"/>
+            <a:r>
+              <a:rPr lang="da-DK" sz="2800" smtClean="0"/>
+              <a:t>”Ole”</a:t>
+            </a:r>
+            <a:endParaRPr lang="da-DK" sz="2800"/>
+          </a:p>
+        </p:txBody>
+      </p:sp>
+      <p:pic>
+        <p:nvPicPr>
+          <p:cNvPr id="1026" name="Picture 2" descr="Billedresultat for confused face meme black guy"/>
+          <p:cNvPicPr>
+            <a:picLocks noChangeAspect="1" noChangeArrowheads="1"/>
+          </p:cNvPicPr>
+          <p:nvPr/>
+        </p:nvPicPr>
+        <p:blipFill>
+          <a:blip r:embed="rId2">
+            <a:extLst>
+              <a:ext uri="{28A0092B-C50C-407E-A947-70E740481C1C}">
+                <a14:useLocalDpi xmlns:a14="http://schemas.microsoft.com/office/drawing/2010/main" val="0"/>
+              </a:ext>
+            </a:extLst>
+          </a:blip>
+          <a:srcRect/>
+          <a:stretch>
+            <a:fillRect/>
+          </a:stretch>
+        </p:blipFill>
+        <p:spPr bwMode="auto">
+          <a:xfrm>
+            <a:off x="6482562" y="1668153"/>
+            <a:ext cx="1383872" cy="1180904"/>
+          </a:xfrm>
+          <a:prstGeom prst="rect">
+            <a:avLst/>
+          </a:prstGeom>
+          <a:noFill/>
+          <a:extLst>
+            <a:ext uri="{909E8E84-426E-40DD-AFC4-6F175D3DCCD1}">
+              <a14:hiddenFill xmlns:a14="http://schemas.microsoft.com/office/drawing/2010/main">
+                <a:solidFill>
+                  <a:srgbClr val="FFFFFF"/>
+                </a:solidFill>
+              </a14:hiddenFill>
+            </a:ext>
+          </a:extLst>
+        </p:spPr>
+      </p:pic>
+    </p:spTree>
+    <p:extLst>
+      <p:ext uri="{BB962C8B-B14F-4D97-AF65-F5344CB8AC3E}">
+        <p14:creationId xmlns:p14="http://schemas.microsoft.com/office/powerpoint/2010/main" val="3215134155"/>
+      </p:ext>
+    </p:extLst>
+  </p:cSld>
+  <p:clrMapOvr>
+    <a:masterClrMapping/>
+  </p:clrMapOvr>
+  <mc:AlternateContent xmlns:mc="http://schemas.openxmlformats.org/markup-compatibility/2006">
+    <mc:Choice xmlns:p14="http://schemas.microsoft.com/office/powerpoint/2010/main" Requires="p14">
+      <p:transition spd="med" p14:dur="700">
+        <p:fade/>
+      </p:transition>
+    </mc:Choice>
+    <mc:Fallback>
+      <p:transition spd="med">
+        <p:fade/>
+      </p:transition>
+    </mc:Fallback>
+  </mc:AlternateContent>
+  <p:timing>
+    <p:tnLst>
+      <p:par>
+        <p:cTn id="1" dur="indefinite" restart="never" nodeType="tmRoot">
+          <p:childTnLst>
+            <p:seq concurrent="1" nextAc="seek">
+              <p:cTn id="2" dur="indefinite" nodeType="mainSeq">
+                <p:childTnLst>
+                  <p:par>
+                    <p:cTn id="3" fill="hold">
+                      <p:stCondLst>
+                        <p:cond delay="indefinite"/>
+                        <p:cond evt="onBegin" delay="0">
+                          <p:tn val="2"/>
+                        </p:cond>
+                      </p:stCondLst>
+                      <p:childTnLst>
+                        <p:par>
+                          <p:cTn id="4" fill="hold">
+                            <p:stCondLst>
+                              <p:cond delay="0"/>
+                            </p:stCondLst>
+                            <p:childTnLst>
+                              <p:par>
+                                <p:cTn id="5" presetID="10" presetClass="entr" presetSubtype="0" fill="hold" nodeType="withEffect">
+                                  <p:stCondLst>
+                                    <p:cond delay="2000"/>
+                                  </p:stCondLst>
+                                  <p:childTnLst>
+                                    <p:set>
+                                      <p:cBhvr>
+                                        <p:cTn id="6" dur="1" fill="hold">
+                                          <p:stCondLst>
+                                            <p:cond delay="0"/>
+                                          </p:stCondLst>
+                                        </p:cTn>
+                                        <p:tgtEl>
+                                          <p:spTgt spid="1026"/>
+                                        </p:tgtEl>
+                                        <p:attrNameLst>
+                                          <p:attrName>style.visibility</p:attrName>
+                                        </p:attrNameLst>
+                                      </p:cBhvr>
+                                      <p:to>
+                                        <p:strVal val="visible"/>
+                                      </p:to>
+                                    </p:set>
+                                    <p:animEffect transition="in" filter="fade">
+                                      <p:cBhvr>
+                                        <p:cTn id="7" dur="500"/>
+                                        <p:tgtEl>
+                                          <p:spTgt spid="1026"/>
+                                        </p:tgtEl>
+                                      </p:cBhvr>
+                                    </p:animEffect>
+                                  </p:childTnLst>
+                                </p:cTn>
+                              </p:par>
+                            </p:childTnLst>
+                          </p:cTn>
+                        </p:par>
+                      </p:childTnLst>
+                    </p:cTn>
+                  </p:par>
+                </p:childTnLst>
+              </p:cTn>
+              <p:prevCondLst>
+                <p:cond evt="onPrev" delay="0">
+                  <p:tgtEl>
+                    <p:sldTgt/>
+                  </p:tgtEl>
+                </p:cond>
+              </p:prevCondLst>
+              <p:nextCondLst>
+                <p:cond evt="onNext" delay="0">
+                  <p:tgtEl>
+                    <p:sldTgt/>
+                  </p:tgtEl>
+                </p:cond>
+              </p:nextCondLst>
+            </p:seq>
+          </p:childTnLst>
+        </p:cTn>
+      </p:par>
+    </p:tnLst>
+  </p:timing>
+</p:sld>
+</file>
+
+<file path=ppt/slides/slide43.xml><?xml version="1.0" encoding="utf-8"?>
+<p:sld xmlns:a="http://schemas.openxmlformats.org/drawingml/2006/main" xmlns:r="http://schemas.openxmlformats.org/officeDocument/2006/relationships" xmlns:p="http://schemas.openxmlformats.org/presentationml/2006/main">
+  <p:cSld>
+    <p:spTree>
+      <p:nvGrpSpPr>
+        <p:cNvPr id="1" name=""/>
+        <p:cNvGrpSpPr/>
+        <p:nvPr/>
+      </p:nvGrpSpPr>
+      <p:grpSpPr>
+        <a:xfrm>
+          <a:off x="0" y="0"/>
+          <a:ext cx="0" cy="0"/>
+          <a:chOff x="0" y="0"/>
+          <a:chExt cx="0" cy="0"/>
+        </a:xfrm>
+      </p:grpSpPr>
+      <p:sp>
+        <p:nvSpPr>
+          <p:cNvPr id="2" name="Afrundet rektangel 1"/>
+          <p:cNvSpPr/>
+          <p:nvPr/>
+        </p:nvSpPr>
+        <p:spPr>
+          <a:xfrm>
+            <a:off x="4870315" y="1867712"/>
+            <a:ext cx="2444885" cy="2451370"/>
+          </a:xfrm>
+          <a:prstGeom prst="roundRect">
+            <a:avLst/>
+          </a:prstGeom>
+          <a:solidFill>
+            <a:schemeClr val="accent4">
+              <a:lumMod val="75000"/>
+            </a:schemeClr>
+          </a:solidFill>
+        </p:spPr>
+        <p:style>
+          <a:lnRef idx="2">
+            <a:schemeClr val="accent1">
+              <a:shade val="50000"/>
+            </a:schemeClr>
+          </a:lnRef>
+          <a:fillRef idx="1">
+            <a:schemeClr val="accent1"/>
+          </a:fillRef>
+          <a:effectRef idx="0">
+            <a:schemeClr val="accent1"/>
+          </a:effectRef>
+          <a:fontRef idx="minor">
+            <a:schemeClr val="lt1"/>
+          </a:fontRef>
+        </p:style>
+        <p:txBody>
+          <a:bodyPr rtlCol="0" anchor="ctr"/>
+          <a:lstStyle/>
+          <a:p>
+            <a:pPr algn="ctr"/>
+            <a:endParaRPr lang="da-DK"/>
+          </a:p>
+        </p:txBody>
+      </p:sp>
+      <p:sp>
+        <p:nvSpPr>
+          <p:cNvPr id="5" name="Afrundet rektangel 4"/>
+          <p:cNvSpPr/>
+          <p:nvPr/>
+        </p:nvSpPr>
+        <p:spPr>
+          <a:xfrm>
+            <a:off x="891704" y="3136486"/>
+            <a:ext cx="1501302" cy="794982"/>
+          </a:xfrm>
+          <a:prstGeom prst="roundRect">
+            <a:avLst/>
+          </a:prstGeom>
+          <a:solidFill>
+            <a:schemeClr val="bg2">
+              <a:lumMod val="50000"/>
+            </a:schemeClr>
+          </a:solidFill>
+        </p:spPr>
+        <p:style>
+          <a:lnRef idx="2">
+            <a:schemeClr val="accent1">
+              <a:shade val="50000"/>
+            </a:schemeClr>
+          </a:lnRef>
+          <a:fillRef idx="1">
+            <a:schemeClr val="accent1"/>
+          </a:fillRef>
+          <a:effectRef idx="0">
+            <a:schemeClr val="accent1"/>
+          </a:effectRef>
+          <a:fontRef idx="minor">
+            <a:schemeClr val="lt1"/>
+          </a:fontRef>
+        </p:style>
+        <p:txBody>
+          <a:bodyPr rtlCol="0" anchor="ctr"/>
+          <a:lstStyle/>
+          <a:p>
+            <a:pPr algn="ctr"/>
+            <a:r>
+              <a:rPr lang="da-DK" sz="4000" smtClean="0"/>
+              <a:t>Task</a:t>
+            </a:r>
+            <a:endParaRPr lang="da-DK" sz="4000"/>
+          </a:p>
+        </p:txBody>
+      </p:sp>
+      <p:sp>
+        <p:nvSpPr>
+          <p:cNvPr id="6" name="Afrundet rektangel 5"/>
+          <p:cNvSpPr/>
+          <p:nvPr/>
+        </p:nvSpPr>
+        <p:spPr>
+          <a:xfrm>
+            <a:off x="5168630" y="3136486"/>
+            <a:ext cx="1854740" cy="933854"/>
+          </a:xfrm>
+          <a:prstGeom prst="roundRect">
+            <a:avLst/>
+          </a:prstGeom>
+          <a:solidFill>
+            <a:srgbClr val="C00000"/>
+          </a:solidFill>
+        </p:spPr>
+        <p:style>
+          <a:lnRef idx="2">
+            <a:schemeClr val="accent1">
+              <a:shade val="50000"/>
+            </a:schemeClr>
+          </a:lnRef>
+          <a:fillRef idx="1">
+            <a:schemeClr val="accent1"/>
+          </a:fillRef>
+          <a:effectRef idx="0">
+            <a:schemeClr val="accent1"/>
+          </a:effectRef>
+          <a:fontRef idx="minor">
+            <a:schemeClr val="lt1"/>
+          </a:fontRef>
+        </p:style>
+        <p:txBody>
+          <a:bodyPr rtlCol="0" anchor="ctr"/>
+          <a:lstStyle/>
+          <a:p>
+            <a:pPr algn="ctr"/>
+            <a:r>
+              <a:rPr lang="da-DK" sz="3600" smtClean="0"/>
+              <a:t>””</a:t>
+            </a:r>
+            <a:endParaRPr lang="da-DK" sz="3600"/>
+          </a:p>
+        </p:txBody>
+      </p:sp>
+      <p:sp>
+        <p:nvSpPr>
+          <p:cNvPr id="8" name="Afrundet rektangel 7"/>
+          <p:cNvSpPr/>
+          <p:nvPr/>
+        </p:nvSpPr>
+        <p:spPr>
+          <a:xfrm>
+            <a:off x="9798994" y="3142565"/>
+            <a:ext cx="1501302" cy="794982"/>
+          </a:xfrm>
+          <a:prstGeom prst="roundRect">
+            <a:avLst/>
+          </a:prstGeom>
+          <a:solidFill>
+            <a:schemeClr val="bg2">
+              <a:lumMod val="50000"/>
+            </a:schemeClr>
+          </a:solidFill>
+        </p:spPr>
+        <p:style>
+          <a:lnRef idx="2">
+            <a:schemeClr val="accent1">
+              <a:shade val="50000"/>
+            </a:schemeClr>
+          </a:lnRef>
+          <a:fillRef idx="1">
+            <a:schemeClr val="accent1"/>
+          </a:fillRef>
+          <a:effectRef idx="0">
+            <a:schemeClr val="accent1"/>
+          </a:effectRef>
+          <a:fontRef idx="minor">
+            <a:schemeClr val="lt1"/>
+          </a:fontRef>
+        </p:style>
+        <p:txBody>
+          <a:bodyPr rtlCol="0" anchor="ctr"/>
+          <a:lstStyle/>
+          <a:p>
+            <a:pPr algn="ctr"/>
+            <a:r>
+              <a:rPr lang="da-DK" sz="4000" smtClean="0"/>
+              <a:t>Task</a:t>
+            </a:r>
+            <a:endParaRPr lang="da-DK" sz="4000"/>
+          </a:p>
+        </p:txBody>
+      </p:sp>
+      <p:pic>
+        <p:nvPicPr>
+          <p:cNvPr id="3076" name="Picture 4" descr="Billedresultat for lock icon"/>
+          <p:cNvPicPr>
+            <a:picLocks noChangeAspect="1" noChangeArrowheads="1"/>
+          </p:cNvPicPr>
+          <p:nvPr/>
+        </p:nvPicPr>
+        <p:blipFill>
+          <a:blip r:embed="rId2" cstate="print">
+            <a:extLst>
+              <a:ext uri="{28A0092B-C50C-407E-A947-70E740481C1C}">
+                <a14:useLocalDpi xmlns:a14="http://schemas.microsoft.com/office/drawing/2010/main" val="0"/>
+              </a:ext>
+            </a:extLst>
+          </a:blip>
+          <a:srcRect/>
+          <a:stretch>
+            <a:fillRect/>
+          </a:stretch>
+        </p:blipFill>
+        <p:spPr bwMode="auto">
+          <a:xfrm>
+            <a:off x="5612858" y="2022200"/>
+            <a:ext cx="959798" cy="959798"/>
+          </a:xfrm>
+          <a:prstGeom prst="rect">
+            <a:avLst/>
+          </a:prstGeom>
+          <a:noFill/>
+          <a:extLst>
+            <a:ext uri="{909E8E84-426E-40DD-AFC4-6F175D3DCCD1}">
+              <a14:hiddenFill xmlns:a14="http://schemas.microsoft.com/office/drawing/2010/main">
+                <a:solidFill>
+                  <a:srgbClr val="FFFFFF"/>
+                </a:solidFill>
+              </a14:hiddenFill>
+            </a:ext>
+          </a:extLst>
+        </p:spPr>
+      </p:pic>
+    </p:spTree>
+    <p:extLst>
+      <p:ext uri="{BB962C8B-B14F-4D97-AF65-F5344CB8AC3E}">
+        <p14:creationId xmlns:p14="http://schemas.microsoft.com/office/powerpoint/2010/main" val="472922705"/>
+      </p:ext>
+    </p:extLst>
+  </p:cSld>
+  <p:clrMapOvr>
+    <a:masterClrMapping/>
+  </p:clrMapOvr>
+  <mc:AlternateContent xmlns:mc="http://schemas.openxmlformats.org/markup-compatibility/2006">
+    <mc:Choice xmlns:p14="http://schemas.microsoft.com/office/powerpoint/2010/main" Requires="p14">
+      <p:transition spd="med" p14:dur="700">
+        <p:fade/>
+      </p:transition>
+    </mc:Choice>
+    <mc:Fallback>
+      <p:transition spd="med">
+        <p:fade/>
+      </p:transition>
+    </mc:Fallback>
+  </mc:AlternateContent>
+  <p:timing>
+    <p:tnLst>
+      <p:par>
+        <p:cTn id="1" dur="indefinite" restart="never" nodeType="tmRoot"/>
+      </p:par>
+    </p:tnLst>
+  </p:timing>
+</p:sld>
+</file>
+
+<file path=ppt/slides/slide44.xml><?xml version="1.0" encoding="utf-8"?>
+<p:sld xmlns:a="http://schemas.openxmlformats.org/drawingml/2006/main" xmlns:r="http://schemas.openxmlformats.org/officeDocument/2006/relationships" xmlns:p="http://schemas.openxmlformats.org/presentationml/2006/main">
+  <p:cSld>
+    <p:spTree>
+      <p:nvGrpSpPr>
+        <p:cNvPr id="1" name=""/>
+        <p:cNvGrpSpPr/>
+        <p:nvPr/>
+      </p:nvGrpSpPr>
+      <p:grpSpPr>
+        <a:xfrm>
+          <a:off x="0" y="0"/>
+          <a:ext cx="0" cy="0"/>
+          <a:chOff x="0" y="0"/>
+          <a:chExt cx="0" cy="0"/>
+        </a:xfrm>
+      </p:grpSpPr>
+      <p:sp>
+        <p:nvSpPr>
+          <p:cNvPr id="5" name="Afrundet rektangel 4"/>
+          <p:cNvSpPr/>
+          <p:nvPr/>
+        </p:nvSpPr>
+        <p:spPr>
+          <a:xfrm>
+            <a:off x="891704" y="3136486"/>
+            <a:ext cx="1501302" cy="794982"/>
+          </a:xfrm>
+          <a:prstGeom prst="roundRect">
+            <a:avLst/>
+          </a:prstGeom>
+          <a:solidFill>
+            <a:schemeClr val="bg2">
+              <a:lumMod val="50000"/>
+            </a:schemeClr>
+          </a:solidFill>
+        </p:spPr>
+        <p:style>
+          <a:lnRef idx="2">
+            <a:schemeClr val="accent1">
+              <a:shade val="50000"/>
+            </a:schemeClr>
+          </a:lnRef>
+          <a:fillRef idx="1">
+            <a:schemeClr val="accent1"/>
+          </a:fillRef>
+          <a:effectRef idx="0">
+            <a:schemeClr val="accent1"/>
+          </a:effectRef>
+          <a:fontRef idx="minor">
+            <a:schemeClr val="lt1"/>
+          </a:fontRef>
+        </p:style>
+        <p:txBody>
+          <a:bodyPr rtlCol="0" anchor="ctr"/>
+          <a:lstStyle/>
+          <a:p>
+            <a:pPr algn="ctr"/>
+            <a:r>
+              <a:rPr lang="da-DK" sz="4000" smtClean="0"/>
+              <a:t>Task</a:t>
+            </a:r>
+            <a:endParaRPr lang="da-DK" sz="4000"/>
+          </a:p>
+        </p:txBody>
+      </p:sp>
+      <p:sp>
+        <p:nvSpPr>
+          <p:cNvPr id="8" name="Afrundet rektangel 7"/>
+          <p:cNvSpPr/>
+          <p:nvPr/>
+        </p:nvSpPr>
+        <p:spPr>
+          <a:xfrm>
+            <a:off x="9798994" y="3142565"/>
+            <a:ext cx="1501302" cy="794982"/>
+          </a:xfrm>
+          <a:prstGeom prst="roundRect">
+            <a:avLst/>
+          </a:prstGeom>
+          <a:solidFill>
+            <a:schemeClr val="bg2">
+              <a:lumMod val="50000"/>
+            </a:schemeClr>
+          </a:solidFill>
+        </p:spPr>
+        <p:style>
+          <a:lnRef idx="2">
+            <a:schemeClr val="accent1">
+              <a:shade val="50000"/>
+            </a:schemeClr>
+          </a:lnRef>
+          <a:fillRef idx="1">
+            <a:schemeClr val="accent1"/>
+          </a:fillRef>
+          <a:effectRef idx="0">
+            <a:schemeClr val="accent1"/>
+          </a:effectRef>
+          <a:fontRef idx="minor">
+            <a:schemeClr val="lt1"/>
+          </a:fontRef>
+        </p:style>
+        <p:txBody>
+          <a:bodyPr rtlCol="0" anchor="ctr"/>
+          <a:lstStyle/>
+          <a:p>
+            <a:pPr algn="ctr"/>
+            <a:r>
+              <a:rPr lang="da-DK" sz="4000" smtClean="0"/>
+              <a:t>Task</a:t>
+            </a:r>
+            <a:endParaRPr lang="da-DK" sz="4000"/>
+          </a:p>
+        </p:txBody>
+      </p:sp>
+      <p:sp>
+        <p:nvSpPr>
+          <p:cNvPr id="4" name="Højrepil 3"/>
+          <p:cNvSpPr/>
+          <p:nvPr/>
+        </p:nvSpPr>
+        <p:spPr>
+          <a:xfrm>
+            <a:off x="2736716" y="3136486"/>
+            <a:ext cx="2120630" cy="929676"/>
+          </a:xfrm>
+          <a:prstGeom prst="rightArrow">
+            <a:avLst/>
+          </a:prstGeom>
+        </p:spPr>
+        <p:style>
+          <a:lnRef idx="2">
+            <a:schemeClr val="accent1">
+              <a:shade val="50000"/>
+            </a:schemeClr>
+          </a:lnRef>
+          <a:fillRef idx="1">
+            <a:schemeClr val="accent1"/>
+          </a:fillRef>
+          <a:effectRef idx="0">
+            <a:schemeClr val="accent1"/>
+          </a:effectRef>
+          <a:fontRef idx="minor">
+            <a:schemeClr val="lt1"/>
+          </a:fontRef>
+        </p:style>
+        <p:txBody>
+          <a:bodyPr rtlCol="0" anchor="ctr"/>
+          <a:lstStyle/>
+          <a:p>
+            <a:pPr algn="ctr"/>
+            <a:r>
+              <a:rPr lang="da-DK" sz="2800" smtClean="0"/>
+              <a:t>”Lars”</a:t>
+            </a:r>
+            <a:endParaRPr lang="da-DK" sz="2800"/>
+          </a:p>
+        </p:txBody>
+      </p:sp>
+      <p:sp>
+        <p:nvSpPr>
+          <p:cNvPr id="7" name="Højrepil 6"/>
+          <p:cNvSpPr/>
+          <p:nvPr/>
+        </p:nvSpPr>
+        <p:spPr>
+          <a:xfrm flipH="1">
+            <a:off x="7337897" y="3136486"/>
+            <a:ext cx="2120630" cy="929676"/>
+          </a:xfrm>
+          <a:prstGeom prst="rightArrow">
+            <a:avLst/>
+          </a:prstGeom>
+        </p:spPr>
+        <p:style>
+          <a:lnRef idx="2">
+            <a:schemeClr val="accent1">
+              <a:shade val="50000"/>
+            </a:schemeClr>
+          </a:lnRef>
+          <a:fillRef idx="1">
+            <a:schemeClr val="accent1"/>
+          </a:fillRef>
+          <a:effectRef idx="0">
+            <a:schemeClr val="accent1"/>
+          </a:effectRef>
+          <a:fontRef idx="minor">
+            <a:schemeClr val="lt1"/>
+          </a:fontRef>
+        </p:style>
+        <p:txBody>
+          <a:bodyPr rtlCol="0" anchor="ctr"/>
+          <a:lstStyle/>
+          <a:p>
+            <a:pPr algn="ctr"/>
+            <a:r>
+              <a:rPr lang="da-DK" sz="2800" smtClean="0"/>
+              <a:t>”Ole”</a:t>
+            </a:r>
+            <a:endParaRPr lang="da-DK" sz="2800"/>
+          </a:p>
+        </p:txBody>
+      </p:sp>
+      <p:sp>
+        <p:nvSpPr>
+          <p:cNvPr id="9" name="Afrundet rektangel 8"/>
+          <p:cNvSpPr/>
+          <p:nvPr/>
+        </p:nvSpPr>
+        <p:spPr>
+          <a:xfrm>
+            <a:off x="4870315" y="1867712"/>
+            <a:ext cx="2444885" cy="2451370"/>
+          </a:xfrm>
+          <a:prstGeom prst="roundRect">
+            <a:avLst/>
+          </a:prstGeom>
+          <a:solidFill>
+            <a:schemeClr val="accent4">
+              <a:lumMod val="75000"/>
+            </a:schemeClr>
+          </a:solidFill>
+        </p:spPr>
+        <p:style>
+          <a:lnRef idx="2">
+            <a:schemeClr val="accent1">
+              <a:shade val="50000"/>
+            </a:schemeClr>
+          </a:lnRef>
+          <a:fillRef idx="1">
+            <a:schemeClr val="accent1"/>
+          </a:fillRef>
+          <a:effectRef idx="0">
+            <a:schemeClr val="accent1"/>
+          </a:effectRef>
+          <a:fontRef idx="minor">
+            <a:schemeClr val="lt1"/>
+          </a:fontRef>
+        </p:style>
+        <p:txBody>
+          <a:bodyPr rtlCol="0" anchor="ctr"/>
+          <a:lstStyle/>
+          <a:p>
+            <a:pPr algn="ctr"/>
+            <a:endParaRPr lang="da-DK"/>
+          </a:p>
+        </p:txBody>
+      </p:sp>
+      <p:sp>
+        <p:nvSpPr>
+          <p:cNvPr id="10" name="Afrundet rektangel 9"/>
+          <p:cNvSpPr/>
+          <p:nvPr/>
+        </p:nvSpPr>
+        <p:spPr>
+          <a:xfrm>
+            <a:off x="5168630" y="3136486"/>
+            <a:ext cx="1854740" cy="933854"/>
+          </a:xfrm>
+          <a:prstGeom prst="roundRect">
+            <a:avLst/>
+          </a:prstGeom>
+          <a:solidFill>
+            <a:srgbClr val="C00000"/>
+          </a:solidFill>
+        </p:spPr>
+        <p:style>
+          <a:lnRef idx="2">
+            <a:schemeClr val="accent1">
+              <a:shade val="50000"/>
+            </a:schemeClr>
+          </a:lnRef>
+          <a:fillRef idx="1">
+            <a:schemeClr val="accent1"/>
+          </a:fillRef>
+          <a:effectRef idx="0">
+            <a:schemeClr val="accent1"/>
+          </a:effectRef>
+          <a:fontRef idx="minor">
+            <a:schemeClr val="lt1"/>
+          </a:fontRef>
+        </p:style>
+        <p:txBody>
+          <a:bodyPr rtlCol="0" anchor="ctr"/>
+          <a:lstStyle/>
+          <a:p>
+            <a:pPr algn="ctr"/>
+            <a:r>
+              <a:rPr lang="da-DK" sz="3600" smtClean="0"/>
+              <a:t>””</a:t>
+            </a:r>
+            <a:endParaRPr lang="da-DK" sz="3600"/>
+          </a:p>
+        </p:txBody>
+      </p:sp>
+      <p:pic>
+        <p:nvPicPr>
+          <p:cNvPr id="11" name="Picture 4" descr="Billedresultat for lock icon"/>
+          <p:cNvPicPr>
+            <a:picLocks noChangeAspect="1" noChangeArrowheads="1"/>
+          </p:cNvPicPr>
+          <p:nvPr/>
+        </p:nvPicPr>
+        <p:blipFill>
+          <a:blip r:embed="rId2" cstate="print">
+            <a:extLst>
+              <a:ext uri="{28A0092B-C50C-407E-A947-70E740481C1C}">
+                <a14:useLocalDpi xmlns:a14="http://schemas.microsoft.com/office/drawing/2010/main" val="0"/>
+              </a:ext>
+            </a:extLst>
+          </a:blip>
+          <a:srcRect/>
+          <a:stretch>
+            <a:fillRect/>
+          </a:stretch>
+        </p:blipFill>
+        <p:spPr bwMode="auto">
+          <a:xfrm>
+            <a:off x="5612858" y="2022200"/>
+            <a:ext cx="959798" cy="959798"/>
+          </a:xfrm>
+          <a:prstGeom prst="rect">
+            <a:avLst/>
+          </a:prstGeom>
+          <a:noFill/>
+          <a:extLst>
+            <a:ext uri="{909E8E84-426E-40DD-AFC4-6F175D3DCCD1}">
+              <a14:hiddenFill xmlns:a14="http://schemas.microsoft.com/office/drawing/2010/main">
+                <a:solidFill>
+                  <a:srgbClr val="FFFFFF"/>
+                </a:solidFill>
+              </a14:hiddenFill>
+            </a:ext>
+          </a:extLst>
+        </p:spPr>
+      </p:pic>
+    </p:spTree>
+    <p:extLst>
+      <p:ext uri="{BB962C8B-B14F-4D97-AF65-F5344CB8AC3E}">
+        <p14:creationId xmlns:p14="http://schemas.microsoft.com/office/powerpoint/2010/main" val="721052944"/>
+      </p:ext>
+    </p:extLst>
+  </p:cSld>
+  <p:clrMapOvr>
+    <a:masterClrMapping/>
+  </p:clrMapOvr>
+  <mc:AlternateContent xmlns:mc="http://schemas.openxmlformats.org/markup-compatibility/2006">
+    <mc:Choice xmlns:p14="http://schemas.microsoft.com/office/powerpoint/2010/main" Requires="p14">
+      <p:transition spd="med" p14:dur="700">
+        <p:fade/>
+      </p:transition>
+    </mc:Choice>
+    <mc:Fallback>
+      <p:transition spd="med">
+        <p:fade/>
+      </p:transition>
+    </mc:Fallback>
+  </mc:AlternateContent>
+  <p:timing>
+    <p:tnLst>
+      <p:par>
+        <p:cTn id="1" dur="indefinite" restart="never" nodeType="tmRoot"/>
+      </p:par>
+    </p:tnLst>
+  </p:timing>
+</p:sld>
+</file>
+
+<file path=ppt/slides/slide45.xml><?xml version="1.0" encoding="utf-8"?>
+<p:sld xmlns:a="http://schemas.openxmlformats.org/drawingml/2006/main" xmlns:r="http://schemas.openxmlformats.org/officeDocument/2006/relationships" xmlns:p="http://schemas.openxmlformats.org/presentationml/2006/main">
+  <p:cSld>
+    <p:spTree>
+      <p:nvGrpSpPr>
+        <p:cNvPr id="1" name=""/>
+        <p:cNvGrpSpPr/>
+        <p:nvPr/>
+      </p:nvGrpSpPr>
+      <p:grpSpPr>
+        <a:xfrm>
+          <a:off x="0" y="0"/>
+          <a:ext cx="0" cy="0"/>
+          <a:chOff x="0" y="0"/>
+          <a:chExt cx="0" cy="0"/>
+        </a:xfrm>
+      </p:grpSpPr>
+      <p:sp>
+        <p:nvSpPr>
+          <p:cNvPr id="5" name="Afrundet rektangel 4"/>
+          <p:cNvSpPr/>
+          <p:nvPr/>
+        </p:nvSpPr>
+        <p:spPr>
+          <a:xfrm>
+            <a:off x="891704" y="3136486"/>
+            <a:ext cx="1501302" cy="794982"/>
+          </a:xfrm>
+          <a:prstGeom prst="roundRect">
+            <a:avLst/>
+          </a:prstGeom>
+          <a:solidFill>
+            <a:schemeClr val="bg2">
+              <a:lumMod val="50000"/>
+            </a:schemeClr>
+          </a:solidFill>
+        </p:spPr>
+        <p:style>
+          <a:lnRef idx="2">
+            <a:schemeClr val="accent1">
+              <a:shade val="50000"/>
+            </a:schemeClr>
+          </a:lnRef>
+          <a:fillRef idx="1">
+            <a:schemeClr val="accent1"/>
+          </a:fillRef>
+          <a:effectRef idx="0">
+            <a:schemeClr val="accent1"/>
+          </a:effectRef>
+          <a:fontRef idx="minor">
+            <a:schemeClr val="lt1"/>
+          </a:fontRef>
+        </p:style>
+        <p:txBody>
+          <a:bodyPr rtlCol="0" anchor="ctr"/>
+          <a:lstStyle/>
+          <a:p>
+            <a:pPr algn="ctr"/>
+            <a:r>
+              <a:rPr lang="da-DK" sz="4000" smtClean="0"/>
+              <a:t>Task</a:t>
+            </a:r>
+            <a:endParaRPr lang="da-DK" sz="4000"/>
+          </a:p>
+        </p:txBody>
+      </p:sp>
+      <p:sp>
+        <p:nvSpPr>
+          <p:cNvPr id="8" name="Afrundet rektangel 7"/>
+          <p:cNvSpPr/>
+          <p:nvPr/>
+        </p:nvSpPr>
+        <p:spPr>
+          <a:xfrm>
+            <a:off x="9798994" y="3142565"/>
+            <a:ext cx="1501302" cy="794982"/>
+          </a:xfrm>
+          <a:prstGeom prst="roundRect">
+            <a:avLst/>
+          </a:prstGeom>
+          <a:solidFill>
+            <a:schemeClr val="bg2">
+              <a:lumMod val="50000"/>
+            </a:schemeClr>
+          </a:solidFill>
+        </p:spPr>
+        <p:style>
+          <a:lnRef idx="2">
+            <a:schemeClr val="accent1">
+              <a:shade val="50000"/>
+            </a:schemeClr>
+          </a:lnRef>
+          <a:fillRef idx="1">
+            <a:schemeClr val="accent1"/>
+          </a:fillRef>
+          <a:effectRef idx="0">
+            <a:schemeClr val="accent1"/>
+          </a:effectRef>
+          <a:fontRef idx="minor">
+            <a:schemeClr val="lt1"/>
+          </a:fontRef>
+        </p:style>
+        <p:txBody>
+          <a:bodyPr rtlCol="0" anchor="ctr"/>
+          <a:lstStyle/>
+          <a:p>
+            <a:pPr algn="ctr"/>
+            <a:r>
+              <a:rPr lang="da-DK" sz="4000" smtClean="0"/>
+              <a:t>Task</a:t>
+            </a:r>
+            <a:endParaRPr lang="da-DK" sz="4000"/>
+          </a:p>
+        </p:txBody>
+      </p:sp>
+      <p:sp>
+        <p:nvSpPr>
+          <p:cNvPr id="7" name="Højrepil 6"/>
+          <p:cNvSpPr/>
+          <p:nvPr/>
+        </p:nvSpPr>
+        <p:spPr>
+          <a:xfrm flipH="1">
+            <a:off x="7337897" y="3136486"/>
+            <a:ext cx="2120630" cy="929676"/>
+          </a:xfrm>
+          <a:prstGeom prst="rightArrow">
+            <a:avLst/>
+          </a:prstGeom>
+        </p:spPr>
+        <p:style>
+          <a:lnRef idx="2">
+            <a:schemeClr val="accent1">
+              <a:shade val="50000"/>
+            </a:schemeClr>
+          </a:lnRef>
+          <a:fillRef idx="1">
+            <a:schemeClr val="accent1"/>
+          </a:fillRef>
+          <a:effectRef idx="0">
+            <a:schemeClr val="accent1"/>
+          </a:effectRef>
+          <a:fontRef idx="minor">
+            <a:schemeClr val="lt1"/>
+          </a:fontRef>
+        </p:style>
+        <p:txBody>
+          <a:bodyPr rtlCol="0" anchor="ctr"/>
+          <a:lstStyle/>
+          <a:p>
+            <a:pPr algn="ctr"/>
+            <a:r>
+              <a:rPr lang="da-DK" sz="2800" smtClean="0"/>
+              <a:t>”Ole”</a:t>
+            </a:r>
+            <a:endParaRPr lang="da-DK" sz="2800"/>
+          </a:p>
+        </p:txBody>
+      </p:sp>
+      <p:sp>
+        <p:nvSpPr>
+          <p:cNvPr id="9" name="Afrundet rektangel 8"/>
+          <p:cNvSpPr/>
+          <p:nvPr/>
+        </p:nvSpPr>
+        <p:spPr>
+          <a:xfrm>
+            <a:off x="7088221" y="1867712"/>
+            <a:ext cx="226979" cy="2451370"/>
+          </a:xfrm>
+          <a:prstGeom prst="roundRect">
+            <a:avLst/>
+          </a:prstGeom>
+          <a:solidFill>
+            <a:schemeClr val="accent4">
+              <a:lumMod val="75000"/>
+            </a:schemeClr>
+          </a:solidFill>
+        </p:spPr>
+        <p:style>
+          <a:lnRef idx="2">
+            <a:schemeClr val="accent1">
+              <a:shade val="50000"/>
+            </a:schemeClr>
+          </a:lnRef>
+          <a:fillRef idx="1">
+            <a:schemeClr val="accent1"/>
+          </a:fillRef>
+          <a:effectRef idx="0">
+            <a:schemeClr val="accent1"/>
+          </a:effectRef>
+          <a:fontRef idx="minor">
+            <a:schemeClr val="lt1"/>
+          </a:fontRef>
+        </p:style>
+        <p:txBody>
+          <a:bodyPr rtlCol="0" anchor="ctr"/>
+          <a:lstStyle/>
+          <a:p>
+            <a:pPr algn="ctr"/>
+            <a:endParaRPr lang="da-DK"/>
+          </a:p>
+        </p:txBody>
+      </p:sp>
+      <p:sp>
+        <p:nvSpPr>
+          <p:cNvPr id="10" name="Afrundet rektangel 9"/>
+          <p:cNvSpPr/>
+          <p:nvPr/>
+        </p:nvSpPr>
+        <p:spPr>
+          <a:xfrm>
+            <a:off x="5168630" y="3136486"/>
+            <a:ext cx="1854740" cy="933854"/>
+          </a:xfrm>
+          <a:prstGeom prst="roundRect">
+            <a:avLst/>
+          </a:prstGeom>
+          <a:solidFill>
+            <a:srgbClr val="C00000"/>
+          </a:solidFill>
+        </p:spPr>
+        <p:style>
+          <a:lnRef idx="2">
+            <a:schemeClr val="accent1">
+              <a:shade val="50000"/>
+            </a:schemeClr>
+          </a:lnRef>
+          <a:fillRef idx="1">
+            <a:schemeClr val="accent1"/>
+          </a:fillRef>
+          <a:effectRef idx="0">
+            <a:schemeClr val="accent1"/>
+          </a:effectRef>
+          <a:fontRef idx="minor">
+            <a:schemeClr val="lt1"/>
+          </a:fontRef>
+        </p:style>
+        <p:txBody>
+          <a:bodyPr rtlCol="0" anchor="ctr"/>
+          <a:lstStyle/>
+          <a:p>
+            <a:pPr algn="ctr"/>
+            <a:r>
+              <a:rPr lang="da-DK" sz="3600" smtClean="0"/>
+              <a:t>””</a:t>
+            </a:r>
+            <a:endParaRPr lang="da-DK" sz="3600"/>
+          </a:p>
+        </p:txBody>
+      </p:sp>
+      <p:sp>
+        <p:nvSpPr>
+          <p:cNvPr id="4" name="Højrepil 3"/>
+          <p:cNvSpPr/>
+          <p:nvPr/>
+        </p:nvSpPr>
+        <p:spPr>
+          <a:xfrm>
+            <a:off x="2736715" y="3136486"/>
+            <a:ext cx="2581071" cy="929676"/>
+          </a:xfrm>
+          <a:prstGeom prst="rightArrow">
+            <a:avLst/>
+          </a:prstGeom>
+        </p:spPr>
+        <p:style>
+          <a:lnRef idx="2">
+            <a:schemeClr val="accent1">
+              <a:shade val="50000"/>
+            </a:schemeClr>
+          </a:lnRef>
+          <a:fillRef idx="1">
+            <a:schemeClr val="accent1"/>
+          </a:fillRef>
+          <a:effectRef idx="0">
+            <a:schemeClr val="accent1"/>
+          </a:effectRef>
+          <a:fontRef idx="minor">
+            <a:schemeClr val="lt1"/>
+          </a:fontRef>
+        </p:style>
+        <p:txBody>
+          <a:bodyPr rtlCol="0" anchor="ctr"/>
+          <a:lstStyle/>
+          <a:p>
+            <a:pPr algn="ctr"/>
+            <a:r>
+              <a:rPr lang="da-DK" sz="2800" smtClean="0"/>
+              <a:t>”Lars”</a:t>
+            </a:r>
+            <a:endParaRPr lang="da-DK" sz="2800"/>
+          </a:p>
+        </p:txBody>
+      </p:sp>
+    </p:spTree>
+    <p:extLst>
+      <p:ext uri="{BB962C8B-B14F-4D97-AF65-F5344CB8AC3E}">
+        <p14:creationId xmlns:p14="http://schemas.microsoft.com/office/powerpoint/2010/main" val="896216309"/>
+      </p:ext>
+    </p:extLst>
+  </p:cSld>
+  <p:clrMapOvr>
+    <a:masterClrMapping/>
+  </p:clrMapOvr>
+  <mc:AlternateContent xmlns:mc="http://schemas.openxmlformats.org/markup-compatibility/2006">
+    <mc:Choice xmlns:p14="http://schemas.microsoft.com/office/powerpoint/2010/main" Requires="p14">
+      <p:transition spd="med" p14:dur="700">
+        <p:fade/>
+      </p:transition>
+    </mc:Choice>
+    <mc:Fallback>
+      <p:transition spd="med">
+        <p:fade/>
+      </p:transition>
+    </mc:Fallback>
+  </mc:AlternateContent>
+  <p:timing>
+    <p:tnLst>
+      <p:par>
+        <p:cTn id="1" dur="indefinite" restart="never" nodeType="tmRoot"/>
+      </p:par>
+    </p:tnLst>
+  </p:timing>
+</p:sld>
+</file>
+
+<file path=ppt/slides/slide46.xml><?xml version="1.0" encoding="utf-8"?>
+<p:sld xmlns:a="http://schemas.openxmlformats.org/drawingml/2006/main" xmlns:r="http://schemas.openxmlformats.org/officeDocument/2006/relationships" xmlns:p="http://schemas.openxmlformats.org/presentationml/2006/main">
+  <p:cSld>
+    <p:spTree>
+      <p:nvGrpSpPr>
+        <p:cNvPr id="1" name=""/>
+        <p:cNvGrpSpPr/>
+        <p:nvPr/>
+      </p:nvGrpSpPr>
+      <p:grpSpPr>
+        <a:xfrm>
+          <a:off x="0" y="0"/>
+          <a:ext cx="0" cy="0"/>
+          <a:chOff x="0" y="0"/>
+          <a:chExt cx="0" cy="0"/>
+        </a:xfrm>
+      </p:grpSpPr>
+      <p:sp>
+        <p:nvSpPr>
+          <p:cNvPr id="5" name="Afrundet rektangel 4"/>
+          <p:cNvSpPr/>
+          <p:nvPr/>
+        </p:nvSpPr>
+        <p:spPr>
+          <a:xfrm>
+            <a:off x="891704" y="3136486"/>
+            <a:ext cx="1501302" cy="794982"/>
+          </a:xfrm>
+          <a:prstGeom prst="roundRect">
+            <a:avLst/>
+          </a:prstGeom>
+          <a:solidFill>
+            <a:schemeClr val="bg2">
+              <a:lumMod val="50000"/>
+            </a:schemeClr>
+          </a:solidFill>
+        </p:spPr>
+        <p:style>
+          <a:lnRef idx="2">
+            <a:schemeClr val="accent1">
+              <a:shade val="50000"/>
+            </a:schemeClr>
+          </a:lnRef>
+          <a:fillRef idx="1">
+            <a:schemeClr val="accent1"/>
+          </a:fillRef>
+          <a:effectRef idx="0">
+            <a:schemeClr val="accent1"/>
+          </a:effectRef>
+          <a:fontRef idx="minor">
+            <a:schemeClr val="lt1"/>
+          </a:fontRef>
+        </p:style>
+        <p:txBody>
+          <a:bodyPr rtlCol="0" anchor="ctr"/>
+          <a:lstStyle/>
+          <a:p>
+            <a:pPr algn="ctr"/>
+            <a:r>
+              <a:rPr lang="da-DK" sz="4000" smtClean="0"/>
+              <a:t>Task</a:t>
+            </a:r>
+            <a:endParaRPr lang="da-DK" sz="4000"/>
+          </a:p>
+        </p:txBody>
+      </p:sp>
+      <p:sp>
+        <p:nvSpPr>
+          <p:cNvPr id="8" name="Afrundet rektangel 7"/>
+          <p:cNvSpPr/>
+          <p:nvPr/>
+        </p:nvSpPr>
+        <p:spPr>
+          <a:xfrm>
+            <a:off x="9798994" y="3142565"/>
+            <a:ext cx="1501302" cy="794982"/>
+          </a:xfrm>
+          <a:prstGeom prst="roundRect">
+            <a:avLst/>
+          </a:prstGeom>
+          <a:solidFill>
+            <a:schemeClr val="bg2">
+              <a:lumMod val="50000"/>
+            </a:schemeClr>
+          </a:solidFill>
+        </p:spPr>
+        <p:style>
+          <a:lnRef idx="2">
+            <a:schemeClr val="accent1">
+              <a:shade val="50000"/>
+            </a:schemeClr>
+          </a:lnRef>
+          <a:fillRef idx="1">
+            <a:schemeClr val="accent1"/>
+          </a:fillRef>
+          <a:effectRef idx="0">
+            <a:schemeClr val="accent1"/>
+          </a:effectRef>
+          <a:fontRef idx="minor">
+            <a:schemeClr val="lt1"/>
+          </a:fontRef>
+        </p:style>
+        <p:txBody>
+          <a:bodyPr rtlCol="0" anchor="ctr"/>
+          <a:lstStyle/>
+          <a:p>
+            <a:pPr algn="ctr"/>
+            <a:r>
+              <a:rPr lang="da-DK" sz="4000" smtClean="0"/>
+              <a:t>Task</a:t>
+            </a:r>
+            <a:endParaRPr lang="da-DK" sz="4000"/>
+          </a:p>
+        </p:txBody>
+      </p:sp>
+      <p:sp>
+        <p:nvSpPr>
+          <p:cNvPr id="7" name="Højrepil 6"/>
+          <p:cNvSpPr/>
+          <p:nvPr/>
+        </p:nvSpPr>
+        <p:spPr>
+          <a:xfrm flipH="1">
+            <a:off x="7337897" y="3136486"/>
+            <a:ext cx="2120630" cy="929676"/>
+          </a:xfrm>
+          <a:prstGeom prst="rightArrow">
+            <a:avLst/>
+          </a:prstGeom>
+        </p:spPr>
+        <p:style>
+          <a:lnRef idx="2">
+            <a:schemeClr val="accent1">
+              <a:shade val="50000"/>
+            </a:schemeClr>
+          </a:lnRef>
+          <a:fillRef idx="1">
+            <a:schemeClr val="accent1"/>
+          </a:fillRef>
+          <a:effectRef idx="0">
+            <a:schemeClr val="accent1"/>
+          </a:effectRef>
+          <a:fontRef idx="minor">
+            <a:schemeClr val="lt1"/>
+          </a:fontRef>
+        </p:style>
+        <p:txBody>
+          <a:bodyPr rtlCol="0" anchor="ctr"/>
+          <a:lstStyle/>
+          <a:p>
+            <a:pPr algn="ctr"/>
+            <a:r>
+              <a:rPr lang="da-DK" sz="2800" smtClean="0"/>
+              <a:t>”Ole”</a:t>
+            </a:r>
+            <a:endParaRPr lang="da-DK" sz="2800"/>
+          </a:p>
+        </p:txBody>
+      </p:sp>
+      <p:sp>
+        <p:nvSpPr>
+          <p:cNvPr id="9" name="Afrundet rektangel 8"/>
+          <p:cNvSpPr/>
+          <p:nvPr/>
+        </p:nvSpPr>
+        <p:spPr>
+          <a:xfrm>
+            <a:off x="7088221" y="1867712"/>
+            <a:ext cx="226979" cy="2451370"/>
+          </a:xfrm>
+          <a:prstGeom prst="roundRect">
+            <a:avLst/>
+          </a:prstGeom>
+          <a:solidFill>
+            <a:schemeClr val="accent4">
+              <a:lumMod val="75000"/>
+            </a:schemeClr>
+          </a:solidFill>
+        </p:spPr>
+        <p:style>
+          <a:lnRef idx="2">
+            <a:schemeClr val="accent1">
+              <a:shade val="50000"/>
+            </a:schemeClr>
+          </a:lnRef>
+          <a:fillRef idx="1">
+            <a:schemeClr val="accent1"/>
+          </a:fillRef>
+          <a:effectRef idx="0">
+            <a:schemeClr val="accent1"/>
+          </a:effectRef>
+          <a:fontRef idx="minor">
+            <a:schemeClr val="lt1"/>
+          </a:fontRef>
+        </p:style>
+        <p:txBody>
+          <a:bodyPr rtlCol="0" anchor="ctr"/>
+          <a:lstStyle/>
+          <a:p>
+            <a:pPr algn="ctr"/>
+            <a:endParaRPr lang="da-DK"/>
+          </a:p>
+        </p:txBody>
+      </p:sp>
+      <p:sp>
+        <p:nvSpPr>
+          <p:cNvPr id="10" name="Afrundet rektangel 9"/>
+          <p:cNvSpPr/>
+          <p:nvPr/>
+        </p:nvSpPr>
+        <p:spPr>
+          <a:xfrm>
+            <a:off x="5168630" y="3136486"/>
+            <a:ext cx="1854740" cy="933854"/>
+          </a:xfrm>
+          <a:prstGeom prst="roundRect">
+            <a:avLst/>
+          </a:prstGeom>
+          <a:solidFill>
+            <a:srgbClr val="C00000"/>
+          </a:solidFill>
+        </p:spPr>
+        <p:style>
+          <a:lnRef idx="2">
+            <a:schemeClr val="accent1">
+              <a:shade val="50000"/>
+            </a:schemeClr>
+          </a:lnRef>
+          <a:fillRef idx="1">
+            <a:schemeClr val="accent1"/>
+          </a:fillRef>
+          <a:effectRef idx="0">
+            <a:schemeClr val="accent1"/>
+          </a:effectRef>
+          <a:fontRef idx="minor">
+            <a:schemeClr val="lt1"/>
+          </a:fontRef>
+        </p:style>
+        <p:txBody>
+          <a:bodyPr rtlCol="0" anchor="ctr"/>
+          <a:lstStyle/>
+          <a:p>
+            <a:pPr algn="ctr"/>
+            <a:r>
+              <a:rPr lang="da-DK" sz="3600" smtClean="0"/>
+              <a:t>”Lars”</a:t>
+            </a:r>
+            <a:endParaRPr lang="da-DK" sz="3600"/>
+          </a:p>
+        </p:txBody>
+      </p:sp>
+      <p:sp>
+        <p:nvSpPr>
+          <p:cNvPr id="4" name="Højrepil 3"/>
+          <p:cNvSpPr/>
+          <p:nvPr/>
+        </p:nvSpPr>
+        <p:spPr>
+          <a:xfrm>
+            <a:off x="2736715" y="3136486"/>
+            <a:ext cx="2581071" cy="929676"/>
+          </a:xfrm>
+          <a:prstGeom prst="rightArrow">
+            <a:avLst/>
+          </a:prstGeom>
+        </p:spPr>
+        <p:style>
+          <a:lnRef idx="2">
+            <a:schemeClr val="accent1">
+              <a:shade val="50000"/>
+            </a:schemeClr>
+          </a:lnRef>
+          <a:fillRef idx="1">
+            <a:schemeClr val="accent1"/>
+          </a:fillRef>
+          <a:effectRef idx="0">
+            <a:schemeClr val="accent1"/>
+          </a:effectRef>
+          <a:fontRef idx="minor">
+            <a:schemeClr val="lt1"/>
+          </a:fontRef>
+        </p:style>
+        <p:txBody>
+          <a:bodyPr rtlCol="0" anchor="ctr"/>
+          <a:lstStyle/>
+          <a:p>
+            <a:pPr algn="ctr"/>
+            <a:r>
+              <a:rPr lang="da-DK" sz="2800" smtClean="0"/>
+              <a:t>”Lars”</a:t>
+            </a:r>
+            <a:endParaRPr lang="da-DK" sz="2800"/>
+          </a:p>
+        </p:txBody>
+      </p:sp>
+    </p:spTree>
+    <p:extLst>
+      <p:ext uri="{BB962C8B-B14F-4D97-AF65-F5344CB8AC3E}">
+        <p14:creationId xmlns:p14="http://schemas.microsoft.com/office/powerpoint/2010/main" val="1325287166"/>
+      </p:ext>
+    </p:extLst>
+  </p:cSld>
+  <p:clrMapOvr>
+    <a:masterClrMapping/>
+  </p:clrMapOvr>
+  <mc:AlternateContent xmlns:mc="http://schemas.openxmlformats.org/markup-compatibility/2006">
+    <mc:Choice xmlns:p14="http://schemas.microsoft.com/office/powerpoint/2010/main" Requires="p14">
+      <p:transition spd="med" p14:dur="700">
+        <p:fade/>
+      </p:transition>
+    </mc:Choice>
+    <mc:Fallback>
+      <p:transition spd="med">
+        <p:fade/>
+      </p:transition>
+    </mc:Fallback>
+  </mc:AlternateContent>
+  <p:timing>
+    <p:tnLst>
+      <p:par>
+        <p:cTn id="1" dur="indefinite" restart="never" nodeType="tmRoot"/>
+      </p:par>
+    </p:tnLst>
+  </p:timing>
+</p:sld>
+</file>
+
+<file path=ppt/slides/slide47.xml><?xml version="1.0" encoding="utf-8"?>
+<p:sld xmlns:a="http://schemas.openxmlformats.org/drawingml/2006/main" xmlns:r="http://schemas.openxmlformats.org/officeDocument/2006/relationships" xmlns:p="http://schemas.openxmlformats.org/presentationml/2006/main">
+  <p:cSld>
+    <p:spTree>
+      <p:nvGrpSpPr>
+        <p:cNvPr id="1" name=""/>
+        <p:cNvGrpSpPr/>
+        <p:nvPr/>
+      </p:nvGrpSpPr>
+      <p:grpSpPr>
+        <a:xfrm>
+          <a:off x="0" y="0"/>
+          <a:ext cx="0" cy="0"/>
+          <a:chOff x="0" y="0"/>
+          <a:chExt cx="0" cy="0"/>
+        </a:xfrm>
+      </p:grpSpPr>
+      <p:sp>
+        <p:nvSpPr>
+          <p:cNvPr id="5" name="Afrundet rektangel 4"/>
+          <p:cNvSpPr/>
+          <p:nvPr/>
+        </p:nvSpPr>
+        <p:spPr>
+          <a:xfrm>
+            <a:off x="891704" y="3136486"/>
+            <a:ext cx="1501302" cy="794982"/>
+          </a:xfrm>
+          <a:prstGeom prst="roundRect">
+            <a:avLst/>
+          </a:prstGeom>
+          <a:solidFill>
+            <a:schemeClr val="bg2">
+              <a:lumMod val="50000"/>
+            </a:schemeClr>
+          </a:solidFill>
+        </p:spPr>
+        <p:style>
+          <a:lnRef idx="2">
+            <a:schemeClr val="accent1">
+              <a:shade val="50000"/>
+            </a:schemeClr>
+          </a:lnRef>
+          <a:fillRef idx="1">
+            <a:schemeClr val="accent1"/>
+          </a:fillRef>
+          <a:effectRef idx="0">
+            <a:schemeClr val="accent1"/>
+          </a:effectRef>
+          <a:fontRef idx="minor">
+            <a:schemeClr val="lt1"/>
+          </a:fontRef>
+        </p:style>
+        <p:txBody>
+          <a:bodyPr rtlCol="0" anchor="ctr"/>
+          <a:lstStyle/>
+          <a:p>
+            <a:pPr algn="ctr"/>
+            <a:r>
+              <a:rPr lang="da-DK" sz="4000" smtClean="0"/>
+              <a:t>Task</a:t>
+            </a:r>
+            <a:endParaRPr lang="da-DK" sz="4000"/>
+          </a:p>
+        </p:txBody>
+      </p:sp>
+      <p:sp>
+        <p:nvSpPr>
+          <p:cNvPr id="8" name="Afrundet rektangel 7"/>
+          <p:cNvSpPr/>
+          <p:nvPr/>
+        </p:nvSpPr>
+        <p:spPr>
+          <a:xfrm>
+            <a:off x="9798994" y="3142565"/>
+            <a:ext cx="1501302" cy="794982"/>
+          </a:xfrm>
+          <a:prstGeom prst="roundRect">
+            <a:avLst/>
+          </a:prstGeom>
+          <a:solidFill>
+            <a:schemeClr val="bg2">
+              <a:lumMod val="50000"/>
+            </a:schemeClr>
+          </a:solidFill>
+        </p:spPr>
+        <p:style>
+          <a:lnRef idx="2">
+            <a:schemeClr val="accent1">
+              <a:shade val="50000"/>
+            </a:schemeClr>
+          </a:lnRef>
+          <a:fillRef idx="1">
+            <a:schemeClr val="accent1"/>
+          </a:fillRef>
+          <a:effectRef idx="0">
+            <a:schemeClr val="accent1"/>
+          </a:effectRef>
+          <a:fontRef idx="minor">
+            <a:schemeClr val="lt1"/>
+          </a:fontRef>
+        </p:style>
+        <p:txBody>
+          <a:bodyPr rtlCol="0" anchor="ctr"/>
+          <a:lstStyle/>
+          <a:p>
+            <a:pPr algn="ctr"/>
+            <a:r>
+              <a:rPr lang="da-DK" sz="4000" smtClean="0"/>
+              <a:t>Task</a:t>
+            </a:r>
+            <a:endParaRPr lang="da-DK" sz="4000"/>
+          </a:p>
+        </p:txBody>
+      </p:sp>
+      <p:sp>
+        <p:nvSpPr>
+          <p:cNvPr id="9" name="Afrundet rektangel 8"/>
+          <p:cNvSpPr/>
+          <p:nvPr/>
+        </p:nvSpPr>
+        <p:spPr>
+          <a:xfrm>
+            <a:off x="4870316" y="1867712"/>
+            <a:ext cx="214008" cy="2451370"/>
+          </a:xfrm>
+          <a:prstGeom prst="roundRect">
+            <a:avLst/>
+          </a:prstGeom>
+          <a:solidFill>
+            <a:schemeClr val="accent4">
+              <a:lumMod val="75000"/>
+            </a:schemeClr>
+          </a:solidFill>
+        </p:spPr>
+        <p:style>
+          <a:lnRef idx="2">
+            <a:schemeClr val="accent1">
+              <a:shade val="50000"/>
+            </a:schemeClr>
+          </a:lnRef>
+          <a:fillRef idx="1">
+            <a:schemeClr val="accent1"/>
+          </a:fillRef>
+          <a:effectRef idx="0">
+            <a:schemeClr val="accent1"/>
+          </a:effectRef>
+          <a:fontRef idx="minor">
+            <a:schemeClr val="lt1"/>
+          </a:fontRef>
+        </p:style>
+        <p:txBody>
+          <a:bodyPr rtlCol="0" anchor="ctr"/>
+          <a:lstStyle/>
+          <a:p>
+            <a:pPr algn="ctr"/>
+            <a:endParaRPr lang="da-DK"/>
+          </a:p>
+        </p:txBody>
+      </p:sp>
+      <p:sp>
+        <p:nvSpPr>
+          <p:cNvPr id="10" name="Afrundet rektangel 9"/>
+          <p:cNvSpPr/>
+          <p:nvPr/>
+        </p:nvSpPr>
+        <p:spPr>
+          <a:xfrm>
+            <a:off x="5168630" y="3136486"/>
+            <a:ext cx="1854740" cy="933854"/>
+          </a:xfrm>
+          <a:prstGeom prst="roundRect">
+            <a:avLst/>
+          </a:prstGeom>
+          <a:solidFill>
+            <a:srgbClr val="C00000"/>
+          </a:solidFill>
+        </p:spPr>
+        <p:style>
+          <a:lnRef idx="2">
+            <a:schemeClr val="accent1">
+              <a:shade val="50000"/>
+            </a:schemeClr>
+          </a:lnRef>
+          <a:fillRef idx="1">
+            <a:schemeClr val="accent1"/>
+          </a:fillRef>
+          <a:effectRef idx="0">
+            <a:schemeClr val="accent1"/>
+          </a:effectRef>
+          <a:fontRef idx="minor">
+            <a:schemeClr val="lt1"/>
+          </a:fontRef>
+        </p:style>
+        <p:txBody>
+          <a:bodyPr rtlCol="0" anchor="ctr"/>
+          <a:lstStyle/>
+          <a:p>
+            <a:pPr algn="ctr"/>
+            <a:r>
+              <a:rPr lang="da-DK" sz="3600" smtClean="0"/>
+              <a:t>”Lars”</a:t>
+            </a:r>
+            <a:endParaRPr lang="da-DK" sz="3600"/>
+          </a:p>
+        </p:txBody>
+      </p:sp>
+      <p:sp>
+        <p:nvSpPr>
+          <p:cNvPr id="7" name="Højrepil 6"/>
+          <p:cNvSpPr/>
+          <p:nvPr/>
+        </p:nvSpPr>
+        <p:spPr>
+          <a:xfrm flipH="1">
+            <a:off x="6867728" y="3136486"/>
+            <a:ext cx="2590799" cy="929676"/>
+          </a:xfrm>
+          <a:prstGeom prst="rightArrow">
+            <a:avLst/>
+          </a:prstGeom>
+        </p:spPr>
+        <p:style>
+          <a:lnRef idx="2">
+            <a:schemeClr val="accent1">
+              <a:shade val="50000"/>
+            </a:schemeClr>
+          </a:lnRef>
+          <a:fillRef idx="1">
+            <a:schemeClr val="accent1"/>
+          </a:fillRef>
+          <a:effectRef idx="0">
+            <a:schemeClr val="accent1"/>
+          </a:effectRef>
+          <a:fontRef idx="minor">
+            <a:schemeClr val="lt1"/>
+          </a:fontRef>
+        </p:style>
+        <p:txBody>
+          <a:bodyPr rtlCol="0" anchor="ctr"/>
+          <a:lstStyle/>
+          <a:p>
+            <a:pPr algn="ctr"/>
+            <a:r>
+              <a:rPr lang="da-DK" sz="2800" smtClean="0"/>
+              <a:t>”Ole”</a:t>
+            </a:r>
+            <a:endParaRPr lang="da-DK" sz="2800"/>
+          </a:p>
+        </p:txBody>
+      </p:sp>
+    </p:spTree>
+    <p:extLst>
+      <p:ext uri="{BB962C8B-B14F-4D97-AF65-F5344CB8AC3E}">
+        <p14:creationId xmlns:p14="http://schemas.microsoft.com/office/powerpoint/2010/main" val="1416554777"/>
+      </p:ext>
+    </p:extLst>
+  </p:cSld>
+  <p:clrMapOvr>
+    <a:masterClrMapping/>
+  </p:clrMapOvr>
+  <mc:AlternateContent xmlns:mc="http://schemas.openxmlformats.org/markup-compatibility/2006">
+    <mc:Choice xmlns:p14="http://schemas.microsoft.com/office/powerpoint/2010/main" Requires="p14">
+      <p:transition spd="med" p14:dur="700">
+        <p:fade/>
+      </p:transition>
+    </mc:Choice>
+    <mc:Fallback>
+      <p:transition spd="med">
+        <p:fade/>
+      </p:transition>
+    </mc:Fallback>
+  </mc:AlternateContent>
+  <p:timing>
+    <p:tnLst>
+      <p:par>
+        <p:cTn id="1" dur="indefinite" restart="never" nodeType="tmRoot"/>
+      </p:par>
+    </p:tnLst>
+  </p:timing>
+</p:sld>
+</file>
+
+<file path=ppt/slides/slide48.xml><?xml version="1.0" encoding="utf-8"?>
+<p:sld xmlns:a="http://schemas.openxmlformats.org/drawingml/2006/main" xmlns:r="http://schemas.openxmlformats.org/officeDocument/2006/relationships" xmlns:p="http://schemas.openxmlformats.org/presentationml/2006/main">
+  <p:cSld>
+    <p:spTree>
+      <p:nvGrpSpPr>
+        <p:cNvPr id="1" name=""/>
+        <p:cNvGrpSpPr/>
+        <p:nvPr/>
+      </p:nvGrpSpPr>
+      <p:grpSpPr>
+        <a:xfrm>
+          <a:off x="0" y="0"/>
+          <a:ext cx="0" cy="0"/>
+          <a:chOff x="0" y="0"/>
+          <a:chExt cx="0" cy="0"/>
+        </a:xfrm>
+      </p:grpSpPr>
+      <p:sp>
+        <p:nvSpPr>
+          <p:cNvPr id="5" name="Afrundet rektangel 4"/>
+          <p:cNvSpPr/>
+          <p:nvPr/>
+        </p:nvSpPr>
+        <p:spPr>
+          <a:xfrm>
+            <a:off x="891704" y="3136486"/>
+            <a:ext cx="1501302" cy="794982"/>
+          </a:xfrm>
+          <a:prstGeom prst="roundRect">
+            <a:avLst/>
+          </a:prstGeom>
+          <a:solidFill>
+            <a:schemeClr val="bg2">
+              <a:lumMod val="50000"/>
+            </a:schemeClr>
+          </a:solidFill>
+        </p:spPr>
+        <p:style>
+          <a:lnRef idx="2">
+            <a:schemeClr val="accent1">
+              <a:shade val="50000"/>
+            </a:schemeClr>
+          </a:lnRef>
+          <a:fillRef idx="1">
+            <a:schemeClr val="accent1"/>
+          </a:fillRef>
+          <a:effectRef idx="0">
+            <a:schemeClr val="accent1"/>
+          </a:effectRef>
+          <a:fontRef idx="minor">
+            <a:schemeClr val="lt1"/>
+          </a:fontRef>
+        </p:style>
+        <p:txBody>
+          <a:bodyPr rtlCol="0" anchor="ctr"/>
+          <a:lstStyle/>
+          <a:p>
+            <a:pPr algn="ctr"/>
+            <a:r>
+              <a:rPr lang="da-DK" sz="4000" smtClean="0"/>
+              <a:t>Task</a:t>
+            </a:r>
+            <a:endParaRPr lang="da-DK" sz="4000"/>
+          </a:p>
+        </p:txBody>
+      </p:sp>
+      <p:sp>
+        <p:nvSpPr>
+          <p:cNvPr id="8" name="Afrundet rektangel 7"/>
+          <p:cNvSpPr/>
+          <p:nvPr/>
+        </p:nvSpPr>
+        <p:spPr>
+          <a:xfrm>
+            <a:off x="9798994" y="3142565"/>
+            <a:ext cx="1501302" cy="794982"/>
+          </a:xfrm>
+          <a:prstGeom prst="roundRect">
+            <a:avLst/>
+          </a:prstGeom>
+          <a:solidFill>
+            <a:schemeClr val="bg2">
+              <a:lumMod val="50000"/>
+            </a:schemeClr>
+          </a:solidFill>
+        </p:spPr>
+        <p:style>
+          <a:lnRef idx="2">
+            <a:schemeClr val="accent1">
+              <a:shade val="50000"/>
+            </a:schemeClr>
+          </a:lnRef>
+          <a:fillRef idx="1">
+            <a:schemeClr val="accent1"/>
+          </a:fillRef>
+          <a:effectRef idx="0">
+            <a:schemeClr val="accent1"/>
+          </a:effectRef>
+          <a:fontRef idx="minor">
+            <a:schemeClr val="lt1"/>
+          </a:fontRef>
+        </p:style>
+        <p:txBody>
+          <a:bodyPr rtlCol="0" anchor="ctr"/>
+          <a:lstStyle/>
+          <a:p>
+            <a:pPr algn="ctr"/>
+            <a:r>
+              <a:rPr lang="da-DK" sz="4000" smtClean="0"/>
+              <a:t>Task</a:t>
+            </a:r>
+            <a:endParaRPr lang="da-DK" sz="4000"/>
+          </a:p>
+        </p:txBody>
+      </p:sp>
+      <p:sp>
+        <p:nvSpPr>
+          <p:cNvPr id="9" name="Afrundet rektangel 8"/>
+          <p:cNvSpPr/>
+          <p:nvPr/>
+        </p:nvSpPr>
+        <p:spPr>
+          <a:xfrm>
+            <a:off x="4870316" y="1867712"/>
+            <a:ext cx="214008" cy="2451370"/>
+          </a:xfrm>
+          <a:prstGeom prst="roundRect">
+            <a:avLst/>
+          </a:prstGeom>
+          <a:solidFill>
+            <a:schemeClr val="accent4">
+              <a:lumMod val="75000"/>
+            </a:schemeClr>
+          </a:solidFill>
+        </p:spPr>
+        <p:style>
+          <a:lnRef idx="2">
+            <a:schemeClr val="accent1">
+              <a:shade val="50000"/>
+            </a:schemeClr>
+          </a:lnRef>
+          <a:fillRef idx="1">
+            <a:schemeClr val="accent1"/>
+          </a:fillRef>
+          <a:effectRef idx="0">
+            <a:schemeClr val="accent1"/>
+          </a:effectRef>
+          <a:fontRef idx="minor">
+            <a:schemeClr val="lt1"/>
+          </a:fontRef>
+        </p:style>
+        <p:txBody>
+          <a:bodyPr rtlCol="0" anchor="ctr"/>
+          <a:lstStyle/>
+          <a:p>
+            <a:pPr algn="ctr"/>
+            <a:endParaRPr lang="da-DK"/>
+          </a:p>
+        </p:txBody>
+      </p:sp>
+      <p:sp>
+        <p:nvSpPr>
+          <p:cNvPr id="10" name="Afrundet rektangel 9"/>
+          <p:cNvSpPr/>
+          <p:nvPr/>
+        </p:nvSpPr>
+        <p:spPr>
+          <a:xfrm>
+            <a:off x="5168630" y="3136486"/>
+            <a:ext cx="1854740" cy="933854"/>
+          </a:xfrm>
+          <a:prstGeom prst="roundRect">
+            <a:avLst/>
+          </a:prstGeom>
+          <a:solidFill>
+            <a:srgbClr val="C00000"/>
+          </a:solidFill>
+        </p:spPr>
+        <p:style>
+          <a:lnRef idx="2">
+            <a:schemeClr val="accent1">
+              <a:shade val="50000"/>
+            </a:schemeClr>
+          </a:lnRef>
+          <a:fillRef idx="1">
+            <a:schemeClr val="accent1"/>
+          </a:fillRef>
+          <a:effectRef idx="0">
+            <a:schemeClr val="accent1"/>
+          </a:effectRef>
+          <a:fontRef idx="minor">
+            <a:schemeClr val="lt1"/>
+          </a:fontRef>
+        </p:style>
+        <p:txBody>
+          <a:bodyPr rtlCol="0" anchor="ctr"/>
+          <a:lstStyle/>
+          <a:p>
+            <a:pPr algn="ctr"/>
+            <a:r>
+              <a:rPr lang="da-DK" sz="3600" smtClean="0"/>
+              <a:t>”Ole”</a:t>
+            </a:r>
+            <a:endParaRPr lang="da-DK" sz="3600"/>
+          </a:p>
+        </p:txBody>
+      </p:sp>
+      <p:sp>
+        <p:nvSpPr>
+          <p:cNvPr id="7" name="Højrepil 6"/>
+          <p:cNvSpPr/>
+          <p:nvPr/>
+        </p:nvSpPr>
+        <p:spPr>
+          <a:xfrm flipH="1">
+            <a:off x="6867728" y="3136486"/>
+            <a:ext cx="2590799" cy="929676"/>
+          </a:xfrm>
+          <a:prstGeom prst="rightArrow">
+            <a:avLst/>
+          </a:prstGeom>
+        </p:spPr>
+        <p:style>
+          <a:lnRef idx="2">
+            <a:schemeClr val="accent1">
+              <a:shade val="50000"/>
+            </a:schemeClr>
+          </a:lnRef>
+          <a:fillRef idx="1">
+            <a:schemeClr val="accent1"/>
+          </a:fillRef>
+          <a:effectRef idx="0">
+            <a:schemeClr val="accent1"/>
+          </a:effectRef>
+          <a:fontRef idx="minor">
+            <a:schemeClr val="lt1"/>
+          </a:fontRef>
+        </p:style>
+        <p:txBody>
+          <a:bodyPr rtlCol="0" anchor="ctr"/>
+          <a:lstStyle/>
+          <a:p>
+            <a:pPr algn="ctr"/>
+            <a:r>
+              <a:rPr lang="da-DK" sz="2800" smtClean="0"/>
+              <a:t>”Ole”</a:t>
+            </a:r>
+            <a:endParaRPr lang="da-DK" sz="2800"/>
+          </a:p>
+        </p:txBody>
+      </p:sp>
+    </p:spTree>
+    <p:extLst>
+      <p:ext uri="{BB962C8B-B14F-4D97-AF65-F5344CB8AC3E}">
+        <p14:creationId xmlns:p14="http://schemas.microsoft.com/office/powerpoint/2010/main" val="3144096730"/>
+      </p:ext>
+    </p:extLst>
+  </p:cSld>
+  <p:clrMapOvr>
+    <a:masterClrMapping/>
+  </p:clrMapOvr>
+  <mc:AlternateContent xmlns:mc="http://schemas.openxmlformats.org/markup-compatibility/2006">
+    <mc:Choice xmlns:p14="http://schemas.microsoft.com/office/powerpoint/2010/main" Requires="p14">
+      <p:transition spd="med" p14:dur="700">
+        <p:fade/>
+      </p:transition>
+    </mc:Choice>
+    <mc:Fallback>
+      <p:transition spd="med">
+        <p:fade/>
+      </p:transition>
+    </mc:Fallback>
+  </mc:AlternateContent>
+  <p:timing>
+    <p:tnLst>
+      <p:par>
+        <p:cTn id="1" dur="indefinite" restart="never" nodeType="tmRoot"/>
+      </p:par>
+    </p:tnLst>
+  </p:timing>
+</p:sld>
+</file>
+
+<file path=ppt/slides/slide49.xml><?xml version="1.0" encoding="utf-8"?>
+<p:sld xmlns:a="http://schemas.openxmlformats.org/drawingml/2006/main" xmlns:r="http://schemas.openxmlformats.org/officeDocument/2006/relationships" xmlns:p="http://schemas.openxmlformats.org/presentationml/2006/main">
+  <p:cSld>
+    <p:spTree>
+      <p:nvGrpSpPr>
+        <p:cNvPr id="1" name=""/>
+        <p:cNvGrpSpPr/>
+        <p:nvPr/>
+      </p:nvGrpSpPr>
+      <p:grpSpPr>
+        <a:xfrm>
+          <a:off x="0" y="0"/>
+          <a:ext cx="0" cy="0"/>
+          <a:chOff x="0" y="0"/>
+          <a:chExt cx="0" cy="0"/>
+        </a:xfrm>
+      </p:grpSpPr>
+      <p:sp>
+        <p:nvSpPr>
+          <p:cNvPr id="2" name="Afrundet rektangel 1"/>
+          <p:cNvSpPr/>
+          <p:nvPr/>
+        </p:nvSpPr>
+        <p:spPr>
+          <a:xfrm>
+            <a:off x="4870315" y="1867712"/>
+            <a:ext cx="2444885" cy="2451370"/>
+          </a:xfrm>
+          <a:prstGeom prst="roundRect">
+            <a:avLst/>
+          </a:prstGeom>
+          <a:solidFill>
+            <a:schemeClr val="accent4">
+              <a:lumMod val="75000"/>
+            </a:schemeClr>
+          </a:solidFill>
+        </p:spPr>
+        <p:style>
+          <a:lnRef idx="2">
+            <a:schemeClr val="accent1">
+              <a:shade val="50000"/>
+            </a:schemeClr>
+          </a:lnRef>
+          <a:fillRef idx="1">
+            <a:schemeClr val="accent1"/>
+          </a:fillRef>
+          <a:effectRef idx="0">
+            <a:schemeClr val="accent1"/>
+          </a:effectRef>
+          <a:fontRef idx="minor">
+            <a:schemeClr val="lt1"/>
+          </a:fontRef>
+        </p:style>
+        <p:txBody>
+          <a:bodyPr rtlCol="0" anchor="ctr"/>
+          <a:lstStyle/>
+          <a:p>
+            <a:pPr algn="ctr"/>
+            <a:endParaRPr lang="da-DK"/>
+          </a:p>
+        </p:txBody>
+      </p:sp>
+      <p:sp>
+        <p:nvSpPr>
+          <p:cNvPr id="5" name="Afrundet rektangel 4"/>
+          <p:cNvSpPr/>
+          <p:nvPr/>
+        </p:nvSpPr>
+        <p:spPr>
+          <a:xfrm>
+            <a:off x="891704" y="3136486"/>
+            <a:ext cx="1501302" cy="794982"/>
+          </a:xfrm>
+          <a:prstGeom prst="roundRect">
+            <a:avLst/>
+          </a:prstGeom>
+          <a:solidFill>
+            <a:schemeClr val="bg2">
+              <a:lumMod val="50000"/>
+            </a:schemeClr>
+          </a:solidFill>
+        </p:spPr>
+        <p:style>
+          <a:lnRef idx="2">
+            <a:schemeClr val="accent1">
+              <a:shade val="50000"/>
+            </a:schemeClr>
+          </a:lnRef>
+          <a:fillRef idx="1">
+            <a:schemeClr val="accent1"/>
+          </a:fillRef>
+          <a:effectRef idx="0">
+            <a:schemeClr val="accent1"/>
+          </a:effectRef>
+          <a:fontRef idx="minor">
+            <a:schemeClr val="lt1"/>
+          </a:fontRef>
+        </p:style>
+        <p:txBody>
+          <a:bodyPr rtlCol="0" anchor="ctr"/>
+          <a:lstStyle/>
+          <a:p>
+            <a:pPr algn="ctr"/>
+            <a:r>
+              <a:rPr lang="da-DK" sz="4000" smtClean="0"/>
+              <a:t>Task</a:t>
+            </a:r>
+            <a:endParaRPr lang="da-DK" sz="4000"/>
+          </a:p>
+        </p:txBody>
+      </p:sp>
+      <p:sp>
+        <p:nvSpPr>
+          <p:cNvPr id="6" name="Afrundet rektangel 5"/>
+          <p:cNvSpPr/>
+          <p:nvPr/>
+        </p:nvSpPr>
+        <p:spPr>
+          <a:xfrm>
+            <a:off x="5168630" y="3136486"/>
+            <a:ext cx="1854740" cy="933854"/>
+          </a:xfrm>
+          <a:prstGeom prst="roundRect">
+            <a:avLst/>
+          </a:prstGeom>
+          <a:solidFill>
+            <a:srgbClr val="C00000"/>
+          </a:solidFill>
+        </p:spPr>
+        <p:style>
+          <a:lnRef idx="2">
+            <a:schemeClr val="accent1">
+              <a:shade val="50000"/>
+            </a:schemeClr>
+          </a:lnRef>
+          <a:fillRef idx="1">
+            <a:schemeClr val="accent1"/>
+          </a:fillRef>
+          <a:effectRef idx="0">
+            <a:schemeClr val="accent1"/>
+          </a:effectRef>
+          <a:fontRef idx="minor">
+            <a:schemeClr val="lt1"/>
+          </a:fontRef>
+        </p:style>
+        <p:txBody>
+          <a:bodyPr rtlCol="0" anchor="ctr"/>
+          <a:lstStyle/>
+          <a:p>
+            <a:pPr algn="ctr"/>
+            <a:r>
+              <a:rPr lang="da-DK" sz="3600" smtClean="0"/>
+              <a:t>”Ole”</a:t>
+            </a:r>
+            <a:endParaRPr lang="da-DK" sz="3600"/>
+          </a:p>
+        </p:txBody>
+      </p:sp>
+      <p:sp>
+        <p:nvSpPr>
+          <p:cNvPr id="8" name="Afrundet rektangel 7"/>
+          <p:cNvSpPr/>
+          <p:nvPr/>
+        </p:nvSpPr>
+        <p:spPr>
+          <a:xfrm>
+            <a:off x="9798994" y="3142565"/>
+            <a:ext cx="1501302" cy="794982"/>
+          </a:xfrm>
+          <a:prstGeom prst="roundRect">
+            <a:avLst/>
+          </a:prstGeom>
+          <a:solidFill>
+            <a:schemeClr val="bg2">
+              <a:lumMod val="50000"/>
+            </a:schemeClr>
+          </a:solidFill>
+        </p:spPr>
+        <p:style>
+          <a:lnRef idx="2">
+            <a:schemeClr val="accent1">
+              <a:shade val="50000"/>
+            </a:schemeClr>
+          </a:lnRef>
+          <a:fillRef idx="1">
+            <a:schemeClr val="accent1"/>
+          </a:fillRef>
+          <a:effectRef idx="0">
+            <a:schemeClr val="accent1"/>
+          </a:effectRef>
+          <a:fontRef idx="minor">
+            <a:schemeClr val="lt1"/>
+          </a:fontRef>
+        </p:style>
+        <p:txBody>
+          <a:bodyPr rtlCol="0" anchor="ctr"/>
+          <a:lstStyle/>
+          <a:p>
+            <a:pPr algn="ctr"/>
+            <a:r>
+              <a:rPr lang="da-DK" sz="4000" smtClean="0"/>
+              <a:t>Task</a:t>
+            </a:r>
+            <a:endParaRPr lang="da-DK" sz="4000"/>
+          </a:p>
+        </p:txBody>
+      </p:sp>
+      <p:pic>
+        <p:nvPicPr>
+          <p:cNvPr id="3076" name="Picture 4" descr="Billedresultat for lock icon"/>
+          <p:cNvPicPr>
+            <a:picLocks noChangeAspect="1" noChangeArrowheads="1"/>
+          </p:cNvPicPr>
+          <p:nvPr/>
+        </p:nvPicPr>
+        <p:blipFill>
+          <a:blip r:embed="rId2" cstate="print">
+            <a:extLst>
+              <a:ext uri="{28A0092B-C50C-407E-A947-70E740481C1C}">
+                <a14:useLocalDpi xmlns:a14="http://schemas.microsoft.com/office/drawing/2010/main" val="0"/>
+              </a:ext>
+            </a:extLst>
+          </a:blip>
+          <a:srcRect/>
+          <a:stretch>
+            <a:fillRect/>
+          </a:stretch>
+        </p:blipFill>
+        <p:spPr bwMode="auto">
+          <a:xfrm>
+            <a:off x="5612858" y="2022200"/>
+            <a:ext cx="959798" cy="959798"/>
+          </a:xfrm>
+          <a:prstGeom prst="rect">
+            <a:avLst/>
+          </a:prstGeom>
+          <a:noFill/>
+          <a:extLst>
+            <a:ext uri="{909E8E84-426E-40DD-AFC4-6F175D3DCCD1}">
+              <a14:hiddenFill xmlns:a14="http://schemas.microsoft.com/office/drawing/2010/main">
+                <a:solidFill>
+                  <a:srgbClr val="FFFFFF"/>
+                </a:solidFill>
+              </a14:hiddenFill>
+            </a:ext>
+          </a:extLst>
+        </p:spPr>
+      </p:pic>
+    </p:spTree>
+    <p:extLst>
+      <p:ext uri="{BB962C8B-B14F-4D97-AF65-F5344CB8AC3E}">
+        <p14:creationId xmlns:p14="http://schemas.microsoft.com/office/powerpoint/2010/main" val="77763217"/>
+      </p:ext>
+    </p:extLst>
+  </p:cSld>
+  <p:clrMapOvr>
+    <a:masterClrMapping/>
+  </p:clrMapOvr>
+  <mc:AlternateContent xmlns:mc="http://schemas.openxmlformats.org/markup-compatibility/2006">
+    <mc:Choice xmlns:p14="http://schemas.microsoft.com/office/powerpoint/2010/main" Requires="p14">
+      <p:transition spd="med" p14:dur="700">
+        <p:fade/>
+      </p:transition>
+    </mc:Choice>
+    <mc:Fallback>
+      <p:transition spd="med">
+        <p:fade/>
       </p:transition>
     </mc:Fallback>
   </mc:AlternateContent>
@@ -15078,13 +19148,13 @@
   <p:clrMapOvr>
     <a:masterClrMapping/>
   </p:clrMapOvr>
-  <mc:AlternateContent xmlns:mc="http://schemas.openxmlformats.org/markup-compatibility/2006">
-    <mc:Choice xmlns:p14="http://schemas.microsoft.com/office/powerpoint/2010/main" Requires="p14">
+  <mc:AlternateContent xmlns:mc="http://schemas.openxmlformats.org/markup-compatibility/2006" xmlns:p14="http://schemas.microsoft.com/office/powerpoint/2010/main">
+    <mc:Choice Requires="p14">
       <p:transition spd="slow" p14:dur="4000">
         <p:fade/>
       </p:transition>
     </mc:Choice>
-    <mc:Fallback>
+    <mc:Fallback xmlns="">
       <p:transition spd="slow">
         <p:fade/>
       </p:transition>
